--- a/course_material/week_03/week_03_presentation.pptx
+++ b/course_material/week_03/week_03_presentation.pptx
@@ -5,7 +5,7 @@
     <p:sldMasterId id="2147483696" r:id="rId1"/>
   </p:sldMasterIdLst>
   <p:notesMasterIdLst>
-    <p:notesMasterId r:id="rId24"/>
+    <p:notesMasterId r:id="rId23"/>
   </p:notesMasterIdLst>
   <p:sldIdLst>
     <p:sldId id="256" r:id="rId2"/>
@@ -13,23 +13,22 @@
     <p:sldId id="259" r:id="rId4"/>
     <p:sldId id="301" r:id="rId5"/>
     <p:sldId id="297" r:id="rId6"/>
-    <p:sldId id="307" r:id="rId7"/>
-    <p:sldId id="262" r:id="rId8"/>
-    <p:sldId id="305" r:id="rId9"/>
-    <p:sldId id="306" r:id="rId10"/>
-    <p:sldId id="299" r:id="rId11"/>
-    <p:sldId id="300" r:id="rId12"/>
-    <p:sldId id="302" r:id="rId13"/>
-    <p:sldId id="272" r:id="rId14"/>
-    <p:sldId id="285" r:id="rId15"/>
-    <p:sldId id="276" r:id="rId16"/>
-    <p:sldId id="277" r:id="rId17"/>
-    <p:sldId id="278" r:id="rId18"/>
-    <p:sldId id="291" r:id="rId19"/>
-    <p:sldId id="293" r:id="rId20"/>
-    <p:sldId id="295" r:id="rId21"/>
-    <p:sldId id="270" r:id="rId22"/>
-    <p:sldId id="271" r:id="rId23"/>
+    <p:sldId id="262" r:id="rId7"/>
+    <p:sldId id="305" r:id="rId8"/>
+    <p:sldId id="306" r:id="rId9"/>
+    <p:sldId id="299" r:id="rId10"/>
+    <p:sldId id="300" r:id="rId11"/>
+    <p:sldId id="302" r:id="rId12"/>
+    <p:sldId id="272" r:id="rId13"/>
+    <p:sldId id="285" r:id="rId14"/>
+    <p:sldId id="276" r:id="rId15"/>
+    <p:sldId id="277" r:id="rId16"/>
+    <p:sldId id="278" r:id="rId17"/>
+    <p:sldId id="291" r:id="rId18"/>
+    <p:sldId id="293" r:id="rId19"/>
+    <p:sldId id="295" r:id="rId20"/>
+    <p:sldId id="270" r:id="rId21"/>
+    <p:sldId id="271" r:id="rId22"/>
   </p:sldIdLst>
   <p:sldSz cx="12192000" cy="6858000"/>
   <p:notesSz cx="6858000" cy="9144000"/>
@@ -1844,7 +1843,7 @@
           <a:p>
             <a:fld id="{5CF9EFDB-215C-4120-ADCB-EAD745B7163E}" type="datetimeFigureOut">
               <a:rPr lang="en-US" smtClean="0"/>
-              <a:t>3/16/2021</a:t>
+              <a:t>3/17/2021</a:t>
             </a:fld>
             <a:endParaRPr lang="en-US"/>
           </a:p>
@@ -2176,7 +2175,7 @@
           <a:p>
             <a:fld id="{791F1524-C5FD-4370-8A10-5BE52A97A495}" type="slidenum">
               <a:rPr lang="en-US" smtClean="0"/>
-              <a:t>11</a:t>
+              <a:t>10</a:t>
             </a:fld>
             <a:endParaRPr lang="en-US"/>
           </a:p>
@@ -2389,7 +2388,7 @@
           <a:p>
             <a:fld id="{ACF1A1B0-862D-4909-A7DB-D8ADA062DFCA}" type="datetimeFigureOut">
               <a:rPr lang="en-US" dirty="0"/>
-              <a:t>3/16/2021</a:t>
+              <a:t>3/17/2021</a:t>
             </a:fld>
             <a:endParaRPr lang="en-US"/>
           </a:p>
@@ -2612,7 +2611,7 @@
           <a:p>
             <a:fld id="{7B156144-9CB7-4E3A-B87E-A382F9BE05EF}" type="datetimeFigureOut">
               <a:rPr lang="en-US" dirty="0"/>
-              <a:t>3/16/2021</a:t>
+              <a:t>3/17/2021</a:t>
             </a:fld>
             <a:endParaRPr lang="en-US"/>
           </a:p>
@@ -2790,7 +2789,7 @@
           <a:p>
             <a:fld id="{2643D55F-46AB-4791-9172-4FA8DD3A6A9C}" type="datetimeFigureOut">
               <a:rPr lang="en-US" dirty="0"/>
-              <a:t>3/16/2021</a:t>
+              <a:t>3/17/2021</a:t>
             </a:fld>
             <a:endParaRPr lang="en-US"/>
           </a:p>
@@ -2958,7 +2957,7 @@
           <a:p>
             <a:fld id="{58026881-8A08-449C-8D73-E5F201F814C1}" type="datetimeFigureOut">
               <a:rPr lang="en-US" dirty="0"/>
-              <a:t>3/16/2021</a:t>
+              <a:t>3/17/2021</a:t>
             </a:fld>
             <a:endParaRPr lang="en-US"/>
           </a:p>
@@ -3248,7 +3247,7 @@
           <a:p>
             <a:fld id="{1BEB5A5E-0C07-4E93-A112-D37B4D166B30}" type="datetimeFigureOut">
               <a:rPr lang="en-US" dirty="0"/>
-              <a:t>3/16/2021</a:t>
+              <a:t>3/17/2021</a:t>
             </a:fld>
             <a:endParaRPr lang="en-US"/>
           </a:p>
@@ -3571,7 +3570,7 @@
           <a:p>
             <a:fld id="{9E1F71C5-DC57-4358-A1EA-30C08AF6E3C5}" type="datetimeFigureOut">
               <a:rPr lang="en-US" dirty="0"/>
-              <a:t>3/16/2021</a:t>
+              <a:t>3/17/2021</a:t>
             </a:fld>
             <a:endParaRPr lang="en-US"/>
           </a:p>
@@ -3980,7 +3979,7 @@
           <a:p>
             <a:fld id="{12571DBA-DE60-4731-B773-47AAA185C143}" type="datetimeFigureOut">
               <a:rPr lang="en-US" dirty="0"/>
-              <a:t>3/16/2021</a:t>
+              <a:t>3/17/2021</a:t>
             </a:fld>
             <a:endParaRPr lang="en-US"/>
           </a:p>
@@ -4097,7 +4096,7 @@
           <a:p>
             <a:fld id="{4F170639-886C-4FCF-9EAB-ABB5DA3F3F4A}" type="datetimeFigureOut">
               <a:rPr lang="en-US" dirty="0"/>
-              <a:t>3/16/2021</a:t>
+              <a:t>3/17/2021</a:t>
             </a:fld>
             <a:endParaRPr lang="en-US"/>
           </a:p>
@@ -4192,7 +4191,7 @@
           <a:p>
             <a:fld id="{34C4A628-C83B-4C66-83F4-1711CE3738FD}" type="datetimeFigureOut">
               <a:rPr lang="en-US" dirty="0"/>
-              <a:t>3/16/2021</a:t>
+              <a:t>3/17/2021</a:t>
             </a:fld>
             <a:endParaRPr lang="en-US"/>
           </a:p>
@@ -4477,7 +4476,7 @@
           <a:p>
             <a:fld id="{B88C1D73-9400-43CA-A37F-F9B7D00DE14C}" type="datetimeFigureOut">
               <a:rPr lang="en-US" dirty="0"/>
-              <a:t>3/16/2021</a:t>
+              <a:t>3/17/2021</a:t>
             </a:fld>
             <a:endParaRPr lang="en-US"/>
           </a:p>
@@ -4749,7 +4748,7 @@
           <a:p>
             <a:fld id="{188B7711-B905-4633-B4D7-6F3A49A2E7D9}" type="datetimeFigureOut">
               <a:rPr lang="en-US" dirty="0"/>
-              <a:t>3/16/2021</a:t>
+              <a:t>3/17/2021</a:t>
             </a:fld>
             <a:endParaRPr lang="en-US"/>
           </a:p>
@@ -4999,7 +4998,7 @@
             <a:fld id="{89C235CF-BDA2-4E7E-8BBD-350479985E74}" type="datetimeFigureOut">
               <a:rPr lang="en-US" dirty="0"/>
               <a:pPr/>
-              <a:t>3/16/2021</a:t>
+              <a:t>3/17/2021</a:t>
             </a:fld>
             <a:endParaRPr lang="en-US"/>
           </a:p>
@@ -5565,188 +5564,6 @@
           <p:cNvPr id="2" name="Title 1">
             <a:extLst>
               <a:ext uri="{FF2B5EF4-FFF2-40B4-BE49-F238E27FC236}">
-                <a16:creationId xmlns:a16="http://schemas.microsoft.com/office/drawing/2014/main" id="{F140A057-ED11-48AF-B8A0-4551E7C8AADB}"/>
-              </a:ext>
-            </a:extLst>
-          </p:cNvPr>
-          <p:cNvSpPr>
-            <a:spLocks noGrp="1"/>
-          </p:cNvSpPr>
-          <p:nvPr>
-            <p:ph type="title"/>
-          </p:nvPr>
-        </p:nvSpPr>
-        <p:spPr/>
-        <p:txBody>
-          <a:bodyPr/>
-          <a:lstStyle/>
-          <a:p>
-            <a:r>
-              <a:rPr lang="en-US" dirty="0"/>
-              <a:t>Objects</a:t>
-            </a:r>
-          </a:p>
-        </p:txBody>
-      </p:sp>
-      <p:sp>
-        <p:nvSpPr>
-          <p:cNvPr id="3" name="Content Placeholder 2">
-            <a:extLst>
-              <a:ext uri="{FF2B5EF4-FFF2-40B4-BE49-F238E27FC236}">
-                <a16:creationId xmlns:a16="http://schemas.microsoft.com/office/drawing/2014/main" id="{51595963-E1EF-44EF-B545-0E064A4E58A4}"/>
-              </a:ext>
-            </a:extLst>
-          </p:cNvPr>
-          <p:cNvSpPr>
-            <a:spLocks noGrp="1"/>
-          </p:cNvSpPr>
-          <p:nvPr>
-            <p:ph idx="1"/>
-          </p:nvPr>
-        </p:nvSpPr>
-        <p:spPr/>
-        <p:txBody>
-          <a:bodyPr>
-            <a:normAutofit/>
-          </a:bodyPr>
-          <a:lstStyle/>
-          <a:p>
-            <a:r>
-              <a:rPr lang="en-US" dirty="0"/>
-              <a:t>All objects have 2 things: </a:t>
-            </a:r>
-          </a:p>
-          <a:p>
-            <a:pPr lvl="1"/>
-            <a:r>
-              <a:rPr lang="en-US" dirty="0"/>
-              <a:t>State</a:t>
-            </a:r>
-          </a:p>
-          <a:p>
-            <a:pPr lvl="1"/>
-            <a:r>
-              <a:rPr lang="en-US" dirty="0"/>
-              <a:t>Behavior</a:t>
-            </a:r>
-          </a:p>
-          <a:p>
-            <a:r>
-              <a:rPr lang="en-US" dirty="0"/>
-              <a:t>Using objects allows for us to:</a:t>
-            </a:r>
-          </a:p>
-          <a:p>
-            <a:pPr lvl="1"/>
-            <a:r>
-              <a:rPr lang="en-US" dirty="0"/>
-              <a:t>Make our code modular</a:t>
-            </a:r>
-          </a:p>
-          <a:p>
-            <a:pPr lvl="1"/>
-            <a:r>
-              <a:rPr lang="en-US" dirty="0"/>
-              <a:t>Hide information (IDs, sensitive information, </a:t>
-            </a:r>
-            <a:r>
-              <a:rPr lang="en-US" dirty="0" err="1"/>
-              <a:t>etc</a:t>
-            </a:r>
-            <a:r>
-              <a:rPr lang="en-US" dirty="0"/>
-              <a:t>)</a:t>
-            </a:r>
-          </a:p>
-          <a:p>
-            <a:pPr lvl="1"/>
-            <a:r>
-              <a:rPr lang="en-US" dirty="0"/>
-              <a:t>Re-use code</a:t>
-            </a:r>
-          </a:p>
-          <a:p>
-            <a:pPr lvl="1"/>
-            <a:r>
-              <a:rPr lang="en-US" dirty="0"/>
-              <a:t>Easier debugging</a:t>
-            </a:r>
-          </a:p>
-          <a:p>
-            <a:pPr marL="274320" lvl="1" indent="0">
-              <a:buNone/>
-            </a:pPr>
-            <a:endParaRPr lang="en-US" dirty="0"/>
-          </a:p>
-          <a:p>
-            <a:pPr marL="274320" lvl="1" indent="0">
-              <a:buNone/>
-            </a:pPr>
-            <a:endParaRPr lang="en-US" dirty="0"/>
-          </a:p>
-          <a:p>
-            <a:r>
-              <a:rPr lang="en-US" dirty="0"/>
-              <a:t>What is an object around you (on your desk, in your house)? What is its state and behavior?</a:t>
-            </a:r>
-          </a:p>
-          <a:p>
-            <a:pPr lvl="1"/>
-            <a:endParaRPr lang="en-US" dirty="0"/>
-          </a:p>
-          <a:p>
-            <a:pPr marL="274320" lvl="1" indent="0">
-              <a:buNone/>
-            </a:pPr>
-            <a:endParaRPr lang="en-US" dirty="0"/>
-          </a:p>
-          <a:p>
-            <a:pPr lvl="1"/>
-            <a:endParaRPr lang="en-US" dirty="0"/>
-          </a:p>
-          <a:p>
-            <a:pPr marL="274320" lvl="1" indent="0">
-              <a:buNone/>
-            </a:pPr>
-            <a:endParaRPr lang="en-US" dirty="0"/>
-          </a:p>
-        </p:txBody>
-      </p:sp>
-    </p:spTree>
-    <p:extLst>
-      <p:ext uri="{BB962C8B-B14F-4D97-AF65-F5344CB8AC3E}">
-        <p14:creationId xmlns:p14="http://schemas.microsoft.com/office/powerpoint/2010/main" val="353548261"/>
-      </p:ext>
-    </p:extLst>
-  </p:cSld>
-  <p:clrMapOvr>
-    <a:masterClrMapping/>
-  </p:clrMapOvr>
-</p:sld>
-</file>
-
-<file path=ppt/slides/slide11.xml><?xml version="1.0" encoding="utf-8"?>
-<p:sld xmlns:a="http://schemas.openxmlformats.org/drawingml/2006/main" xmlns:r="http://schemas.openxmlformats.org/officeDocument/2006/relationships" xmlns:p="http://schemas.openxmlformats.org/presentationml/2006/main">
-  <p:cSld>
-    <p:spTree>
-      <p:nvGrpSpPr>
-        <p:cNvPr id="1" name=""/>
-        <p:cNvGrpSpPr/>
-        <p:nvPr/>
-      </p:nvGrpSpPr>
-      <p:grpSpPr>
-        <a:xfrm>
-          <a:off x="0" y="0"/>
-          <a:ext cx="0" cy="0"/>
-          <a:chOff x="0" y="0"/>
-          <a:chExt cx="0" cy="0"/>
-        </a:xfrm>
-      </p:grpSpPr>
-      <p:sp>
-        <p:nvSpPr>
-          <p:cNvPr id="2" name="Title 1">
-            <a:extLst>
-              <a:ext uri="{FF2B5EF4-FFF2-40B4-BE49-F238E27FC236}">
                 <a16:creationId xmlns:a16="http://schemas.microsoft.com/office/drawing/2014/main" id="{7CD9C78F-CCAF-4AC8-9756-23D83E69F2B5}"/>
               </a:ext>
             </a:extLst>
@@ -6114,7 +5931,7 @@
 </p:sld>
 </file>
 
-<file path=ppt/slides/slide12.xml><?xml version="1.0" encoding="utf-8"?>
+<file path=ppt/slides/slide11.xml><?xml version="1.0" encoding="utf-8"?>
 <p:sld xmlns:a="http://schemas.openxmlformats.org/drawingml/2006/main" xmlns:r="http://schemas.openxmlformats.org/officeDocument/2006/relationships" xmlns:p="http://schemas.openxmlformats.org/presentationml/2006/main">
   <p:cSld>
     <p:spTree>
@@ -6646,6 +6463,228 @@
     <p:extLst>
       <p:ext uri="{BB962C8B-B14F-4D97-AF65-F5344CB8AC3E}">
         <p14:creationId xmlns:p14="http://schemas.microsoft.com/office/powerpoint/2010/main" val="1752205916"/>
+      </p:ext>
+    </p:extLst>
+  </p:cSld>
+  <p:clrMapOvr>
+    <a:masterClrMapping/>
+  </p:clrMapOvr>
+</p:sld>
+</file>
+
+<file path=ppt/slides/slide12.xml><?xml version="1.0" encoding="utf-8"?>
+<p:sld xmlns:a="http://schemas.openxmlformats.org/drawingml/2006/main" xmlns:r="http://schemas.openxmlformats.org/officeDocument/2006/relationships" xmlns:p="http://schemas.openxmlformats.org/presentationml/2006/main">
+  <p:cSld>
+    <p:spTree>
+      <p:nvGrpSpPr>
+        <p:cNvPr id="1" name=""/>
+        <p:cNvGrpSpPr/>
+        <p:nvPr/>
+      </p:nvGrpSpPr>
+      <p:grpSpPr>
+        <a:xfrm>
+          <a:off x="0" y="0"/>
+          <a:ext cx="0" cy="0"/>
+          <a:chOff x="0" y="0"/>
+          <a:chExt cx="0" cy="0"/>
+        </a:xfrm>
+      </p:grpSpPr>
+      <p:sp>
+        <p:nvSpPr>
+          <p:cNvPr id="2" name="Title 1">
+            <a:extLst>
+              <a:ext uri="{FF2B5EF4-FFF2-40B4-BE49-F238E27FC236}">
+                <a16:creationId xmlns:a16="http://schemas.microsoft.com/office/drawing/2014/main" id="{23892C42-E835-4CE4-A4CF-31A0589D4B1B}"/>
+              </a:ext>
+            </a:extLst>
+          </p:cNvPr>
+          <p:cNvSpPr>
+            <a:spLocks noGrp="1"/>
+          </p:cNvSpPr>
+          <p:nvPr>
+            <p:ph type="title"/>
+          </p:nvPr>
+        </p:nvSpPr>
+        <p:spPr/>
+        <p:txBody>
+          <a:bodyPr/>
+          <a:lstStyle/>
+          <a:p>
+            <a:r>
+              <a:rPr lang="en-US" dirty="0"/>
+              <a:t>Install </a:t>
+            </a:r>
+            <a:r>
+              <a:rPr lang="en-US" dirty="0" err="1"/>
+              <a:t>numpy</a:t>
+            </a:r>
+            <a:endParaRPr lang="en-US" dirty="0"/>
+          </a:p>
+        </p:txBody>
+      </p:sp>
+      <p:sp>
+        <p:nvSpPr>
+          <p:cNvPr id="3" name="Content Placeholder 2">
+            <a:extLst>
+              <a:ext uri="{FF2B5EF4-FFF2-40B4-BE49-F238E27FC236}">
+                <a16:creationId xmlns:a16="http://schemas.microsoft.com/office/drawing/2014/main" id="{B6B3A622-6FDD-4897-A494-07F8EE4BBCCC}"/>
+              </a:ext>
+            </a:extLst>
+          </p:cNvPr>
+          <p:cNvSpPr>
+            <a:spLocks noGrp="1"/>
+          </p:cNvSpPr>
+          <p:nvPr>
+            <p:ph idx="1"/>
+          </p:nvPr>
+        </p:nvSpPr>
+        <p:spPr/>
+        <p:txBody>
+          <a:bodyPr vert="horz" lIns="91440" tIns="45720" rIns="91440" bIns="45720" rtlCol="0" anchor="t">
+            <a:normAutofit/>
+          </a:bodyPr>
+          <a:lstStyle/>
+          <a:p>
+            <a:r>
+              <a:rPr lang="en-US">
+                <a:ea typeface="+mn-lt"/>
+                <a:cs typeface="+mn-lt"/>
+              </a:rPr>
+              <a:t>Run command in a terminal:</a:t>
+            </a:r>
+          </a:p>
+          <a:p>
+            <a:pPr lvl="1">
+              <a:buFont typeface="Arial" pitchFamily="18" charset="2"/>
+              <a:buChar char="•"/>
+            </a:pPr>
+            <a:r>
+              <a:rPr lang="en-US" spc="10" dirty="0"/>
+              <a:t>Pip install </a:t>
+            </a:r>
+            <a:r>
+              <a:rPr lang="en-US" spc="10"/>
+              <a:t>numpy</a:t>
+            </a:r>
+            <a:endParaRPr lang="en-US" spc="10" dirty="0"/>
+          </a:p>
+          <a:p>
+            <a:pPr>
+              <a:buFont typeface="Arial" pitchFamily="18" charset="2"/>
+              <a:buChar char="•"/>
+            </a:pPr>
+            <a:r>
+              <a:rPr lang="en-US"/>
+              <a:t>Pip stands for 'pip installs packages'. </a:t>
+            </a:r>
+          </a:p>
+          <a:p>
+            <a:pPr lvl="1">
+              <a:buFont typeface="Arial" pitchFamily="18" charset="2"/>
+              <a:buChar char="•"/>
+            </a:pPr>
+            <a:r>
+              <a:rPr lang="en-US"/>
+              <a:t>Python's most popular package manager</a:t>
+            </a:r>
+          </a:p>
+          <a:p>
+            <a:pPr lvl="1">
+              <a:buFont typeface="Arial" pitchFamily="18" charset="2"/>
+              <a:buChar char="•"/>
+            </a:pPr>
+            <a:r>
+              <a:rPr lang="en-US"/>
+              <a:t>Other choice is Anaconda</a:t>
+            </a:r>
+          </a:p>
+          <a:p>
+            <a:pPr lvl="1">
+              <a:buFont typeface="Arial" pitchFamily="18" charset="2"/>
+              <a:buChar char="•"/>
+            </a:pPr>
+            <a:r>
+              <a:rPr lang="en-US" dirty="0"/>
+              <a:t>Searches </a:t>
+            </a:r>
+            <a:r>
+              <a:rPr lang="en-US" err="1"/>
+              <a:t>PyPI</a:t>
+            </a:r>
+            <a:r>
+              <a:rPr lang="en-US"/>
+              <a:t> (Python Package Index) for packages</a:t>
+            </a:r>
+            <a:endParaRPr lang="en-US" dirty="0"/>
+          </a:p>
+          <a:p>
+            <a:pPr>
+              <a:buFont typeface="Arial" pitchFamily="18" charset="2"/>
+              <a:buChar char="•"/>
+            </a:pPr>
+            <a:r>
+              <a:rPr lang="en-US" spc="0"/>
+              <a:t>Run: </a:t>
+            </a:r>
+          </a:p>
+          <a:p>
+            <a:pPr lvl="1">
+              <a:buFont typeface="Arial" pitchFamily="18" charset="2"/>
+              <a:buChar char="•"/>
+            </a:pPr>
+            <a:r>
+              <a:rPr lang="en-US" dirty="0"/>
+              <a:t>Pip show </a:t>
+            </a:r>
+            <a:r>
+              <a:rPr lang="en-US" dirty="0" err="1"/>
+              <a:t>numpy</a:t>
+            </a:r>
+          </a:p>
+          <a:p>
+            <a:pPr lvl="2">
+              <a:buFont typeface="Arial" pitchFamily="18" charset="2"/>
+              <a:buChar char="•"/>
+            </a:pPr>
+            <a:r>
+              <a:rPr lang="en-US" dirty="0" err="1"/>
+              <a:t>Get's</a:t>
+            </a:r>
+            <a:r>
+              <a:rPr lang="en-US" dirty="0"/>
+              <a:t> more info about a package</a:t>
+            </a:r>
+          </a:p>
+          <a:p>
+            <a:pPr lvl="2">
+              <a:buFont typeface="Arial" pitchFamily="18" charset="2"/>
+              <a:buChar char="•"/>
+            </a:pPr>
+            <a:endParaRPr lang="en-US" dirty="0"/>
+          </a:p>
+          <a:p>
+            <a:pPr>
+              <a:buFont typeface="Arial" pitchFamily="18" charset="2"/>
+              <a:buChar char="•"/>
+            </a:pPr>
+            <a:r>
+              <a:rPr lang="en-US" spc="0"/>
+              <a:t>Optional: </a:t>
+            </a:r>
+            <a:r>
+              <a:rPr lang="en-US" spc="0" dirty="0">
+                <a:hlinkClick r:id="rId2"/>
+              </a:rPr>
+              <a:t>DataCamp PIP Tutorial</a:t>
+            </a:r>
+            <a:endParaRPr lang="en-US" spc="0" dirty="0"/>
+          </a:p>
+        </p:txBody>
+      </p:sp>
+    </p:spTree>
+    <p:extLst>
+      <p:ext uri="{BB962C8B-B14F-4D97-AF65-F5344CB8AC3E}">
+        <p14:creationId xmlns:p14="http://schemas.microsoft.com/office/powerpoint/2010/main" val="4150202754"/>
       </p:ext>
     </p:extLst>
   </p:cSld>
@@ -6674,10 +6713,10 @@
       </p:grpSpPr>
       <p:sp>
         <p:nvSpPr>
-          <p:cNvPr id="2" name="Title 1">
+          <p:cNvPr id="4" name="Title 3">
             <a:extLst>
               <a:ext uri="{FF2B5EF4-FFF2-40B4-BE49-F238E27FC236}">
-                <a16:creationId xmlns:a16="http://schemas.microsoft.com/office/drawing/2014/main" id="{23892C42-E835-4CE4-A4CF-31A0589D4B1B}"/>
+                <a16:creationId xmlns:a16="http://schemas.microsoft.com/office/drawing/2014/main" id="{297BDE90-8DCF-4039-AB05-11C3F09C3813}"/>
               </a:ext>
             </a:extLst>
           </p:cNvPr>
@@ -6685,7 +6724,7 @@
             <a:spLocks noGrp="1"/>
           </p:cNvSpPr>
           <p:nvPr>
-            <p:ph type="title"/>
+            <p:ph type="ctrTitle"/>
           </p:nvPr>
         </p:nvSpPr>
         <p:spPr/>
@@ -6695,22 +6734,17 @@
           <a:p>
             <a:r>
               <a:rPr lang="en-US" dirty="0"/>
-              <a:t>Install </a:t>
-            </a:r>
-            <a:r>
-              <a:rPr lang="en-US" dirty="0" err="1"/>
-              <a:t>numpy</a:t>
-            </a:r>
-            <a:endParaRPr lang="en-US" dirty="0"/>
-          </a:p>
-        </p:txBody>
-      </p:sp>
-      <p:sp>
-        <p:nvSpPr>
-          <p:cNvPr id="3" name="Content Placeholder 2">
+              <a:t>Break (10 Minutes)</a:t>
+            </a:r>
+          </a:p>
+        </p:txBody>
+      </p:sp>
+      <p:sp>
+        <p:nvSpPr>
+          <p:cNvPr id="5" name="Subtitle 4">
             <a:extLst>
               <a:ext uri="{FF2B5EF4-FFF2-40B4-BE49-F238E27FC236}">
-                <a16:creationId xmlns:a16="http://schemas.microsoft.com/office/drawing/2014/main" id="{B6B3A622-6FDD-4897-A494-07F8EE4BBCCC}"/>
+                <a16:creationId xmlns:a16="http://schemas.microsoft.com/office/drawing/2014/main" id="{AE43AD4D-53BE-4D90-B4EE-A313556AC5A9}"/>
               </a:ext>
             </a:extLst>
           </p:cNvPr>
@@ -6718,156 +6752,46 @@
             <a:spLocks noGrp="1"/>
           </p:cNvSpPr>
           <p:nvPr>
-            <p:ph idx="1"/>
+            <p:ph type="subTitle" idx="1"/>
           </p:nvPr>
         </p:nvSpPr>
         <p:spPr/>
         <p:txBody>
-          <a:bodyPr vert="horz" lIns="91440" tIns="45720" rIns="91440" bIns="45720" rtlCol="0" anchor="t">
-            <a:normAutofit/>
-          </a:bodyPr>
+          <a:bodyPr/>
           <a:lstStyle/>
           <a:p>
             <a:r>
-              <a:rPr lang="en-US">
-                <a:ea typeface="+mn-lt"/>
-                <a:cs typeface="+mn-lt"/>
+              <a:rPr lang="en-US" dirty="0"/>
+              <a:t>Attendance word: </a:t>
+            </a:r>
+            <a:r>
+              <a:rPr lang="en-US" b="1" i="0" dirty="0" err="1">
+                <a:solidFill>
+                  <a:schemeClr val="tx1"/>
+                </a:solidFill>
+                <a:effectLst/>
+                <a:latin typeface="Slack-Lato"/>
               </a:rPr>
-              <a:t>Run command in a terminal:</a:t>
-            </a:r>
-          </a:p>
-          <a:p>
-            <a:pPr lvl="1">
-              <a:buFont typeface="Arial" pitchFamily="18" charset="2"/>
-              <a:buChar char="•"/>
-            </a:pPr>
-            <a:r>
-              <a:rPr lang="en-US" spc="10" dirty="0"/>
-              <a:t>Pip install </a:t>
-            </a:r>
-            <a:r>
-              <a:rPr lang="en-US" spc="10"/>
-              <a:t>numpy</a:t>
-            </a:r>
-            <a:endParaRPr lang="en-US" spc="10" dirty="0"/>
-          </a:p>
-          <a:p>
-            <a:pPr>
-              <a:buFont typeface="Arial" pitchFamily="18" charset="2"/>
-              <a:buChar char="•"/>
-            </a:pPr>
-            <a:r>
-              <a:rPr lang="en-US"/>
-              <a:t>Pip stands for 'pip installs packages'. </a:t>
-            </a:r>
-          </a:p>
-          <a:p>
-            <a:pPr lvl="1">
-              <a:buFont typeface="Arial" pitchFamily="18" charset="2"/>
-              <a:buChar char="•"/>
-            </a:pPr>
-            <a:r>
-              <a:rPr lang="en-US"/>
-              <a:t>Python's most popular package manager</a:t>
-            </a:r>
-          </a:p>
-          <a:p>
-            <a:pPr lvl="1">
-              <a:buFont typeface="Arial" pitchFamily="18" charset="2"/>
-              <a:buChar char="•"/>
-            </a:pPr>
-            <a:r>
-              <a:rPr lang="en-US"/>
-              <a:t>Other choice is Anaconda</a:t>
-            </a:r>
-          </a:p>
-          <a:p>
-            <a:pPr lvl="1">
-              <a:buFont typeface="Arial" pitchFamily="18" charset="2"/>
-              <a:buChar char="•"/>
-            </a:pPr>
-            <a:r>
-              <a:rPr lang="en-US" dirty="0"/>
-              <a:t>Searches </a:t>
-            </a:r>
-            <a:r>
-              <a:rPr lang="en-US" err="1"/>
-              <a:t>PyPI</a:t>
-            </a:r>
-            <a:r>
-              <a:rPr lang="en-US"/>
-              <a:t> (Python Package Index) for packages</a:t>
+              <a:t>SoftwareStar</a:t>
+            </a:r>
+            <a:r>
+              <a:rPr lang="en-US" b="1" i="0" dirty="0">
+                <a:solidFill>
+                  <a:srgbClr val="1D1C1D"/>
+                </a:solidFill>
+                <a:effectLst/>
+                <a:latin typeface="Slack-Lato"/>
+              </a:rPr>
+              <a:t> </a:t>
             </a:r>
             <a:endParaRPr lang="en-US" dirty="0"/>
-          </a:p>
-          <a:p>
-            <a:pPr>
-              <a:buFont typeface="Arial" pitchFamily="18" charset="2"/>
-              <a:buChar char="•"/>
-            </a:pPr>
-            <a:r>
-              <a:rPr lang="en-US" spc="0"/>
-              <a:t>Run: </a:t>
-            </a:r>
-          </a:p>
-          <a:p>
-            <a:pPr lvl="1">
-              <a:buFont typeface="Arial" pitchFamily="18" charset="2"/>
-              <a:buChar char="•"/>
-            </a:pPr>
-            <a:r>
-              <a:rPr lang="en-US" dirty="0"/>
-              <a:t>Pip show </a:t>
-            </a:r>
-            <a:r>
-              <a:rPr lang="en-US" dirty="0" err="1"/>
-              <a:t>numpy</a:t>
-            </a:r>
-          </a:p>
-          <a:p>
-            <a:pPr lvl="2">
-              <a:buFont typeface="Arial" pitchFamily="18" charset="2"/>
-              <a:buChar char="•"/>
-            </a:pPr>
-            <a:r>
-              <a:rPr lang="en-US" dirty="0" err="1"/>
-              <a:t>Get's</a:t>
-            </a:r>
-            <a:r>
-              <a:rPr lang="en-US" dirty="0"/>
-              <a:t> more info about a package</a:t>
-            </a:r>
-          </a:p>
-          <a:p>
-            <a:pPr lvl="2">
-              <a:buFont typeface="Arial" pitchFamily="18" charset="2"/>
-              <a:buChar char="•"/>
-            </a:pPr>
-            <a:endParaRPr lang="en-US" dirty="0"/>
-          </a:p>
-          <a:p>
-            <a:pPr>
-              <a:buFont typeface="Arial" pitchFamily="18" charset="2"/>
-              <a:buChar char="•"/>
-            </a:pPr>
-            <a:r>
-              <a:rPr lang="en-US" spc="0"/>
-              <a:t>Optional: </a:t>
-            </a:r>
-            <a:r>
-              <a:rPr lang="en-US" spc="0" dirty="0">
-                <a:hlinkClick r:id="rId2"/>
-              </a:rPr>
-              <a:t>DataCamp PIP Tutorial</a:t>
-            </a:r>
-            <a:endParaRPr lang="en-US" spc="0" dirty="0"/>
           </a:p>
         </p:txBody>
       </p:sp>
     </p:spTree>
     <p:extLst>
       <p:ext uri="{BB962C8B-B14F-4D97-AF65-F5344CB8AC3E}">
-        <p14:creationId xmlns:p14="http://schemas.microsoft.com/office/powerpoint/2010/main" val="4150202754"/>
+        <p14:creationId xmlns:p14="http://schemas.microsoft.com/office/powerpoint/2010/main" val="3877287137"/>
       </p:ext>
     </p:extLst>
   </p:cSld>
@@ -6896,89 +6820,6 @@
       </p:grpSpPr>
       <p:sp>
         <p:nvSpPr>
-          <p:cNvPr id="4" name="Title 3">
-            <a:extLst>
-              <a:ext uri="{FF2B5EF4-FFF2-40B4-BE49-F238E27FC236}">
-                <a16:creationId xmlns:a16="http://schemas.microsoft.com/office/drawing/2014/main" id="{297BDE90-8DCF-4039-AB05-11C3F09C3813}"/>
-              </a:ext>
-            </a:extLst>
-          </p:cNvPr>
-          <p:cNvSpPr>
-            <a:spLocks noGrp="1"/>
-          </p:cNvSpPr>
-          <p:nvPr>
-            <p:ph type="ctrTitle"/>
-          </p:nvPr>
-        </p:nvSpPr>
-        <p:spPr/>
-        <p:txBody>
-          <a:bodyPr/>
-          <a:lstStyle/>
-          <a:p>
-            <a:r>
-              <a:rPr lang="en-US" dirty="0"/>
-              <a:t>Break (10 Minutes)</a:t>
-            </a:r>
-          </a:p>
-        </p:txBody>
-      </p:sp>
-      <p:sp>
-        <p:nvSpPr>
-          <p:cNvPr id="5" name="Subtitle 4">
-            <a:extLst>
-              <a:ext uri="{FF2B5EF4-FFF2-40B4-BE49-F238E27FC236}">
-                <a16:creationId xmlns:a16="http://schemas.microsoft.com/office/drawing/2014/main" id="{AE43AD4D-53BE-4D90-B4EE-A313556AC5A9}"/>
-              </a:ext>
-            </a:extLst>
-          </p:cNvPr>
-          <p:cNvSpPr>
-            <a:spLocks noGrp="1"/>
-          </p:cNvSpPr>
-          <p:nvPr>
-            <p:ph type="subTitle" idx="1"/>
-          </p:nvPr>
-        </p:nvSpPr>
-        <p:spPr/>
-        <p:txBody>
-          <a:bodyPr/>
-          <a:lstStyle/>
-          <a:p>
-            <a:endParaRPr lang="en-US" dirty="0"/>
-          </a:p>
-        </p:txBody>
-      </p:sp>
-    </p:spTree>
-    <p:extLst>
-      <p:ext uri="{BB962C8B-B14F-4D97-AF65-F5344CB8AC3E}">
-        <p14:creationId xmlns:p14="http://schemas.microsoft.com/office/powerpoint/2010/main" val="3877287137"/>
-      </p:ext>
-    </p:extLst>
-  </p:cSld>
-  <p:clrMapOvr>
-    <a:masterClrMapping/>
-  </p:clrMapOvr>
-</p:sld>
-</file>
-
-<file path=ppt/slides/slide15.xml><?xml version="1.0" encoding="utf-8"?>
-<p:sld xmlns:a="http://schemas.openxmlformats.org/drawingml/2006/main" xmlns:r="http://schemas.openxmlformats.org/officeDocument/2006/relationships" xmlns:p="http://schemas.openxmlformats.org/presentationml/2006/main">
-  <p:cSld>
-    <p:spTree>
-      <p:nvGrpSpPr>
-        <p:cNvPr id="1" name=""/>
-        <p:cNvGrpSpPr/>
-        <p:nvPr/>
-      </p:nvGrpSpPr>
-      <p:grpSpPr>
-        <a:xfrm>
-          <a:off x="0" y="0"/>
-          <a:ext cx="0" cy="0"/>
-          <a:chOff x="0" y="0"/>
-          <a:chExt cx="0" cy="0"/>
-        </a:xfrm>
-      </p:grpSpPr>
-      <p:sp>
-        <p:nvSpPr>
           <p:cNvPr id="2" name="Title 1">
             <a:extLst>
               <a:ext uri="{FF2B5EF4-FFF2-40B4-BE49-F238E27FC236}">
@@ -7118,7 +6959,7 @@
           <a:p>
             <a:fld id="{4FAB73BC-B049-4115-A692-8D63A059BFB8}" type="slidenum">
               <a:rPr lang="en-US" smtClean="0"/>
-              <a:t>15</a:t>
+              <a:t>14</a:t>
             </a:fld>
             <a:endParaRPr lang="en-US" dirty="0"/>
           </a:p>
@@ -7137,7 +6978,7 @@
 </p:sld>
 </file>
 
-<file path=ppt/slides/slide16.xml><?xml version="1.0" encoding="utf-8"?>
+<file path=ppt/slides/slide15.xml><?xml version="1.0" encoding="utf-8"?>
 <p:sld xmlns:a="http://schemas.openxmlformats.org/drawingml/2006/main" xmlns:r="http://schemas.openxmlformats.org/officeDocument/2006/relationships" xmlns:p="http://schemas.openxmlformats.org/presentationml/2006/main">
   <p:cSld>
     <p:spTree>
@@ -7716,7 +7557,7 @@
           <a:p>
             <a:fld id="{4FAB73BC-B049-4115-A692-8D63A059BFB8}" type="slidenum">
               <a:rPr lang="en-US" smtClean="0"/>
-              <a:t>16</a:t>
+              <a:t>15</a:t>
             </a:fld>
             <a:endParaRPr lang="en-US" dirty="0"/>
           </a:p>
@@ -7735,7 +7576,7 @@
 </p:sld>
 </file>
 
-<file path=ppt/slides/slide17.xml><?xml version="1.0" encoding="utf-8"?>
+<file path=ppt/slides/slide16.xml><?xml version="1.0" encoding="utf-8"?>
 <p:sld xmlns:a="http://schemas.openxmlformats.org/drawingml/2006/main" xmlns:r="http://schemas.openxmlformats.org/officeDocument/2006/relationships" xmlns:p="http://schemas.openxmlformats.org/presentationml/2006/main">
   <p:cSld>
     <p:spTree>
@@ -7908,7 +7749,7 @@
           <a:p>
             <a:fld id="{4FAB73BC-B049-4115-A692-8D63A059BFB8}" type="slidenum">
               <a:rPr lang="en-US" smtClean="0"/>
-              <a:t>17</a:t>
+              <a:t>16</a:t>
             </a:fld>
             <a:endParaRPr lang="en-US" dirty="0"/>
           </a:p>
@@ -7957,7 +7798,7 @@
 </p:sld>
 </file>
 
-<file path=ppt/slides/slide18.xml><?xml version="1.0" encoding="utf-8"?>
+<file path=ppt/slides/slide17.xml><?xml version="1.0" encoding="utf-8"?>
 <p:sld xmlns:a="http://schemas.openxmlformats.org/drawingml/2006/main" xmlns:r="http://schemas.openxmlformats.org/officeDocument/2006/relationships" xmlns:p="http://schemas.openxmlformats.org/presentationml/2006/main">
   <p:cSld>
     <p:spTree>
@@ -8224,7 +8065,7 @@
           <a:p>
             <a:fld id="{4FAB73BC-B049-4115-A692-8D63A059BFB8}" type="slidenum">
               <a:rPr lang="en-US" smtClean="0"/>
-              <a:t>18</a:t>
+              <a:t>17</a:t>
             </a:fld>
             <a:endParaRPr lang="en-US" dirty="0"/>
           </a:p>
@@ -8234,6 +8075,300 @@
     <p:extLst>
       <p:ext uri="{BB962C8B-B14F-4D97-AF65-F5344CB8AC3E}">
         <p14:creationId xmlns:p14="http://schemas.microsoft.com/office/powerpoint/2010/main" val="3045116778"/>
+      </p:ext>
+    </p:extLst>
+  </p:cSld>
+  <p:clrMapOvr>
+    <a:masterClrMapping/>
+  </p:clrMapOvr>
+</p:sld>
+</file>
+
+<file path=ppt/slides/slide18.xml><?xml version="1.0" encoding="utf-8"?>
+<p:sld xmlns:a="http://schemas.openxmlformats.org/drawingml/2006/main" xmlns:r="http://schemas.openxmlformats.org/officeDocument/2006/relationships" xmlns:p="http://schemas.openxmlformats.org/presentationml/2006/main">
+  <p:cSld>
+    <p:spTree>
+      <p:nvGrpSpPr>
+        <p:cNvPr id="1" name=""/>
+        <p:cNvGrpSpPr/>
+        <p:nvPr/>
+      </p:nvGrpSpPr>
+      <p:grpSpPr>
+        <a:xfrm>
+          <a:off x="0" y="0"/>
+          <a:ext cx="0" cy="0"/>
+          <a:chOff x="0" y="0"/>
+          <a:chExt cx="0" cy="0"/>
+        </a:xfrm>
+      </p:grpSpPr>
+      <p:sp>
+        <p:nvSpPr>
+          <p:cNvPr id="2" name="Title 1">
+            <a:extLst>
+              <a:ext uri="{FF2B5EF4-FFF2-40B4-BE49-F238E27FC236}">
+                <a16:creationId xmlns:a16="http://schemas.microsoft.com/office/drawing/2014/main" id="{A721BCD2-5531-413A-800D-06D65B877D1E}"/>
+              </a:ext>
+            </a:extLst>
+          </p:cNvPr>
+          <p:cNvSpPr>
+            <a:spLocks noGrp="1"/>
+          </p:cNvSpPr>
+          <p:nvPr>
+            <p:ph type="title"/>
+          </p:nvPr>
+        </p:nvSpPr>
+        <p:spPr/>
+        <p:txBody>
+          <a:bodyPr/>
+          <a:lstStyle/>
+          <a:p>
+            <a:r>
+              <a:rPr lang="en-US" dirty="0"/>
+              <a:t>Arrays, Basic Properties</a:t>
+            </a:r>
+          </a:p>
+        </p:txBody>
+      </p:sp>
+      <p:sp>
+        <p:nvSpPr>
+          <p:cNvPr id="6" name="Content Placeholder 5">
+            <a:extLst>
+              <a:ext uri="{FF2B5EF4-FFF2-40B4-BE49-F238E27FC236}">
+                <a16:creationId xmlns:a16="http://schemas.microsoft.com/office/drawing/2014/main" id="{2852E614-9946-4668-B9D5-7DD0CC6DBB15}"/>
+              </a:ext>
+            </a:extLst>
+          </p:cNvPr>
+          <p:cNvSpPr>
+            <a:spLocks noGrp="1"/>
+          </p:cNvSpPr>
+          <p:nvPr>
+            <p:ph idx="1"/>
+          </p:nvPr>
+        </p:nvSpPr>
+        <p:spPr>
+          <a:xfrm>
+            <a:off x="1261872" y="1828800"/>
+            <a:ext cx="10699756" cy="4557010"/>
+          </a:xfrm>
+        </p:spPr>
+        <p:txBody>
+          <a:bodyPr>
+            <a:normAutofit/>
+          </a:bodyPr>
+          <a:lstStyle/>
+          <a:p>
+            <a:pPr marL="0" indent="0">
+              <a:buNone/>
+            </a:pPr>
+            <a:r>
+              <a:rPr lang="en-US" sz="2400" dirty="0">
+                <a:latin typeface="Courier New" panose="02070309020205020404" pitchFamily="49" charset="0"/>
+                <a:cs typeface="Courier New" panose="02070309020205020404" pitchFamily="49" charset="0"/>
+              </a:rPr>
+              <a:t>import </a:t>
+            </a:r>
+            <a:r>
+              <a:rPr lang="en-US" sz="2400" dirty="0" err="1">
+                <a:latin typeface="Courier New" panose="02070309020205020404" pitchFamily="49" charset="0"/>
+                <a:cs typeface="Courier New" panose="02070309020205020404" pitchFamily="49" charset="0"/>
+              </a:rPr>
+              <a:t>numpy</a:t>
+            </a:r>
+            <a:r>
+              <a:rPr lang="en-US" sz="2400" dirty="0">
+                <a:latin typeface="Courier New" panose="02070309020205020404" pitchFamily="49" charset="0"/>
+                <a:cs typeface="Courier New" panose="02070309020205020404" pitchFamily="49" charset="0"/>
+              </a:rPr>
+              <a:t> as np</a:t>
+            </a:r>
+          </a:p>
+          <a:p>
+            <a:pPr marL="0" indent="0">
+              <a:buNone/>
+            </a:pPr>
+            <a:r>
+              <a:rPr lang="en-US" sz="2400" dirty="0">
+                <a:latin typeface="Courier New" panose="02070309020205020404" pitchFamily="49" charset="0"/>
+                <a:cs typeface="Courier New" panose="02070309020205020404" pitchFamily="49" charset="0"/>
+              </a:rPr>
+              <a:t>a = </a:t>
+            </a:r>
+            <a:r>
+              <a:rPr lang="en-US" sz="2400" dirty="0" err="1">
+                <a:latin typeface="Courier New" panose="02070309020205020404" pitchFamily="49" charset="0"/>
+                <a:cs typeface="Courier New" panose="02070309020205020404" pitchFamily="49" charset="0"/>
+              </a:rPr>
+              <a:t>np.array</a:t>
+            </a:r>
+            <a:r>
+              <a:rPr lang="en-US" sz="2400" dirty="0">
+                <a:latin typeface="Courier New" panose="02070309020205020404" pitchFamily="49" charset="0"/>
+                <a:cs typeface="Courier New" panose="02070309020205020404" pitchFamily="49" charset="0"/>
+              </a:rPr>
+              <a:t>([[1,2,3],[4,5,6]],</a:t>
+            </a:r>
+            <a:r>
+              <a:rPr lang="en-US" sz="2400" dirty="0" err="1">
+                <a:latin typeface="Courier New" panose="02070309020205020404" pitchFamily="49" charset="0"/>
+                <a:cs typeface="Courier New" panose="02070309020205020404" pitchFamily="49" charset="0"/>
+              </a:rPr>
+              <a:t>dtype</a:t>
+            </a:r>
+            <a:r>
+              <a:rPr lang="en-US" sz="2400" dirty="0">
+                <a:latin typeface="Courier New" panose="02070309020205020404" pitchFamily="49" charset="0"/>
+                <a:cs typeface="Courier New" panose="02070309020205020404" pitchFamily="49" charset="0"/>
+              </a:rPr>
+              <a:t>=np.float32)</a:t>
+            </a:r>
+          </a:p>
+          <a:p>
+            <a:pPr marL="0" indent="0">
+              <a:buNone/>
+            </a:pPr>
+            <a:r>
+              <a:rPr lang="en-US" sz="2400" dirty="0">
+                <a:latin typeface="Courier New" panose="02070309020205020404" pitchFamily="49" charset="0"/>
+                <a:cs typeface="Courier New" panose="02070309020205020404" pitchFamily="49" charset="0"/>
+              </a:rPr>
+              <a:t>Print(</a:t>
+            </a:r>
+            <a:r>
+              <a:rPr lang="en-US" sz="2400" dirty="0" err="1">
+                <a:latin typeface="Courier New" panose="02070309020205020404" pitchFamily="49" charset="0"/>
+                <a:cs typeface="Courier New" panose="02070309020205020404" pitchFamily="49" charset="0"/>
+              </a:rPr>
+              <a:t>a.ndim</a:t>
+            </a:r>
+            <a:r>
+              <a:rPr lang="en-US" sz="2400" dirty="0">
+                <a:latin typeface="Courier New" panose="02070309020205020404" pitchFamily="49" charset="0"/>
+                <a:cs typeface="Courier New" panose="02070309020205020404" pitchFamily="49" charset="0"/>
+              </a:rPr>
+              <a:t>, </a:t>
+            </a:r>
+            <a:r>
+              <a:rPr lang="en-US" sz="2400" dirty="0" err="1">
+                <a:latin typeface="Courier New" panose="02070309020205020404" pitchFamily="49" charset="0"/>
+                <a:cs typeface="Courier New" panose="02070309020205020404" pitchFamily="49" charset="0"/>
+              </a:rPr>
+              <a:t>a.shape</a:t>
+            </a:r>
+            <a:r>
+              <a:rPr lang="en-US" sz="2400" dirty="0">
+                <a:latin typeface="Courier New" panose="02070309020205020404" pitchFamily="49" charset="0"/>
+                <a:cs typeface="Courier New" panose="02070309020205020404" pitchFamily="49" charset="0"/>
+              </a:rPr>
+              <a:t>, </a:t>
+            </a:r>
+            <a:r>
+              <a:rPr lang="en-US" sz="2400" dirty="0" err="1">
+                <a:latin typeface="Courier New" panose="02070309020205020404" pitchFamily="49" charset="0"/>
+                <a:cs typeface="Courier New" panose="02070309020205020404" pitchFamily="49" charset="0"/>
+              </a:rPr>
+              <a:t>a.dtype</a:t>
+            </a:r>
+            <a:r>
+              <a:rPr lang="en-US" sz="2400" dirty="0">
+                <a:latin typeface="Courier New" panose="02070309020205020404" pitchFamily="49" charset="0"/>
+                <a:cs typeface="Courier New" panose="02070309020205020404" pitchFamily="49" charset="0"/>
+              </a:rPr>
+              <a:t>)</a:t>
+            </a:r>
+          </a:p>
+          <a:p>
+            <a:pPr marL="0" indent="0">
+              <a:buNone/>
+            </a:pPr>
+            <a:endParaRPr lang="en-US" sz="2400" dirty="0"/>
+          </a:p>
+          <a:p>
+            <a:pPr marL="514350" indent="-514350">
+              <a:buFont typeface="+mj-lt"/>
+              <a:buAutoNum type="arabicPeriod"/>
+            </a:pPr>
+            <a:r>
+              <a:rPr lang="en-US" sz="2000" dirty="0"/>
+              <a:t>Arrays can have any number of dimensions, including zero (a scalar).</a:t>
+            </a:r>
+          </a:p>
+          <a:p>
+            <a:pPr marL="514350" indent="-514350">
+              <a:buFont typeface="+mj-lt"/>
+              <a:buAutoNum type="arabicPeriod"/>
+            </a:pPr>
+            <a:r>
+              <a:rPr lang="en-US" sz="2000" dirty="0"/>
+              <a:t>Arrays are typed: np.uint8, np.int64, np.float32, np.float64</a:t>
+            </a:r>
+          </a:p>
+          <a:p>
+            <a:pPr marL="514350" indent="-514350">
+              <a:buFont typeface="+mj-lt"/>
+              <a:buAutoNum type="arabicPeriod"/>
+            </a:pPr>
+            <a:r>
+              <a:rPr lang="en-US" sz="2000" dirty="0"/>
+              <a:t>Arrays are dense. Each element of the array exists and has the same type.</a:t>
+            </a:r>
+          </a:p>
+          <a:p>
+            <a:pPr marL="514350" indent="-514350">
+              <a:buFont typeface="+mj-lt"/>
+              <a:buAutoNum type="arabicPeriod"/>
+            </a:pPr>
+            <a:r>
+              <a:rPr lang="en-US" sz="2000" dirty="0"/>
+              <a:t>Arrays are faster than python lists (consume less memory)</a:t>
+            </a:r>
+          </a:p>
+          <a:p>
+            <a:pPr marL="514350" indent="-514350">
+              <a:buFont typeface="+mj-lt"/>
+              <a:buAutoNum type="arabicPeriod"/>
+            </a:pPr>
+            <a:r>
+              <a:rPr lang="en-US" sz="2000" dirty="0"/>
+              <a:t>Can only combine arrays of the same shape!</a:t>
+            </a:r>
+          </a:p>
+        </p:txBody>
+      </p:sp>
+      <p:sp>
+        <p:nvSpPr>
+          <p:cNvPr id="5" name="Slide Number Placeholder 4">
+            <a:extLst>
+              <a:ext uri="{FF2B5EF4-FFF2-40B4-BE49-F238E27FC236}">
+                <a16:creationId xmlns:a16="http://schemas.microsoft.com/office/drawing/2014/main" id="{4FA32C77-5F41-4963-9EC3-296EF53369B3}"/>
+              </a:ext>
+            </a:extLst>
+          </p:cNvPr>
+          <p:cNvSpPr>
+            <a:spLocks noGrp="1"/>
+          </p:cNvSpPr>
+          <p:nvPr>
+            <p:ph type="sldNum" sz="quarter" idx="12"/>
+          </p:nvPr>
+        </p:nvSpPr>
+        <p:spPr/>
+        <p:txBody>
+          <a:bodyPr>
+            <a:normAutofit lnSpcReduction="10000"/>
+          </a:bodyPr>
+          <a:lstStyle/>
+          <a:p>
+            <a:fld id="{4FAB73BC-B049-4115-A692-8D63A059BFB8}" type="slidenum">
+              <a:rPr lang="en-US" smtClean="0"/>
+              <a:t>18</a:t>
+            </a:fld>
+            <a:endParaRPr lang="en-US" dirty="0"/>
+          </a:p>
+        </p:txBody>
+      </p:sp>
+    </p:spTree>
+    <p:extLst>
+      <p:ext uri="{BB962C8B-B14F-4D97-AF65-F5344CB8AC3E}">
+        <p14:creationId xmlns:p14="http://schemas.microsoft.com/office/powerpoint/2010/main" val="2277923903"/>
       </p:ext>
     </p:extLst>
   </p:cSld>
@@ -8265,7 +8400,7 @@
           <p:cNvPr id="2" name="Title 1">
             <a:extLst>
               <a:ext uri="{FF2B5EF4-FFF2-40B4-BE49-F238E27FC236}">
-                <a16:creationId xmlns:a16="http://schemas.microsoft.com/office/drawing/2014/main" id="{A721BCD2-5531-413A-800D-06D65B877D1E}"/>
+                <a16:creationId xmlns:a16="http://schemas.microsoft.com/office/drawing/2014/main" id="{05294468-F5EE-475F-9CAF-F09D80DAAB9A}"/>
               </a:ext>
             </a:extLst>
           </p:cNvPr>
@@ -8283,17 +8418,17 @@
           <a:p>
             <a:r>
               <a:rPr lang="en-US" dirty="0"/>
-              <a:t>Arrays, Basic Properties</a:t>
-            </a:r>
-          </a:p>
-        </p:txBody>
-      </p:sp>
-      <p:sp>
-        <p:nvSpPr>
-          <p:cNvPr id="6" name="Content Placeholder 5">
+              <a:t>Array Exercise (10 mins)</a:t>
+            </a:r>
+          </a:p>
+        </p:txBody>
+      </p:sp>
+      <p:sp>
+        <p:nvSpPr>
+          <p:cNvPr id="3" name="Content Placeholder 2">
             <a:extLst>
               <a:ext uri="{FF2B5EF4-FFF2-40B4-BE49-F238E27FC236}">
-                <a16:creationId xmlns:a16="http://schemas.microsoft.com/office/drawing/2014/main" id="{2852E614-9946-4668-B9D5-7DD0CC6DBB15}"/>
+                <a16:creationId xmlns:a16="http://schemas.microsoft.com/office/drawing/2014/main" id="{73A5A2EB-8B39-4CF1-B99B-168DE4A5B7A4}"/>
               </a:ext>
             </a:extLst>
           </p:cNvPr>
@@ -8304,230 +8439,82 @@
             <p:ph idx="1"/>
           </p:nvPr>
         </p:nvSpPr>
-        <p:spPr>
-          <a:xfrm>
-            <a:off x="1261872" y="1828800"/>
-            <a:ext cx="10699756" cy="4557010"/>
-          </a:xfrm>
-        </p:spPr>
-        <p:txBody>
-          <a:bodyPr>
-            <a:normAutofit/>
-          </a:bodyPr>
+        <p:spPr/>
+        <p:txBody>
+          <a:bodyPr/>
           <a:lstStyle/>
+          <a:p>
+            <a:pPr marL="342900" indent="-342900">
+              <a:buAutoNum type="arabicParenR"/>
+            </a:pPr>
+            <a:r>
+              <a:rPr lang="en-US" dirty="0"/>
+              <a:t>Create an array with three dimensions. Confirm it has three dimensions.</a:t>
+            </a:r>
+          </a:p>
+          <a:p>
+            <a:pPr marL="342900" indent="-342900">
+              <a:buAutoNum type="arabicParenR"/>
+            </a:pPr>
+            <a:r>
+              <a:rPr lang="en-US" dirty="0"/>
+              <a:t>Create an array with 6 dimensions (don’t do this manually, use the appropriate </a:t>
+            </a:r>
+            <a:r>
+              <a:rPr lang="en-US" dirty="0" err="1"/>
+              <a:t>kwarg</a:t>
+            </a:r>
+            <a:r>
+              <a:rPr lang="en-US" dirty="0"/>
+              <a:t>)</a:t>
+            </a:r>
+          </a:p>
+          <a:p>
+            <a:pPr marL="342900" indent="-342900">
+              <a:buAutoNum type="arabicParenR"/>
+            </a:pPr>
+            <a:r>
+              <a:rPr lang="en-US" dirty="0"/>
+              <a:t>What does this do: </a:t>
+            </a:r>
+            <a:r>
+              <a:rPr lang="en-US" dirty="0" err="1"/>
+              <a:t>np.ones</a:t>
+            </a:r>
+            <a:r>
+              <a:rPr lang="en-US" dirty="0"/>
+              <a:t>((3,2)) ?</a:t>
+            </a:r>
+          </a:p>
+          <a:p>
+            <a:pPr marL="342900" indent="-342900">
+              <a:buAutoNum type="arabicParenR"/>
+            </a:pPr>
+            <a:endParaRPr lang="en-US" dirty="0"/>
+          </a:p>
           <a:p>
             <a:pPr marL="0" indent="0">
               <a:buNone/>
             </a:pPr>
             <a:r>
-              <a:rPr lang="en-US" sz="2400" dirty="0">
-                <a:latin typeface="Courier New" panose="02070309020205020404" pitchFamily="49" charset="0"/>
-                <a:cs typeface="Courier New" panose="02070309020205020404" pitchFamily="49" charset="0"/>
-              </a:rPr>
-              <a:t>import </a:t>
-            </a:r>
-            <a:r>
-              <a:rPr lang="en-US" sz="2400" dirty="0" err="1">
-                <a:latin typeface="Courier New" panose="02070309020205020404" pitchFamily="49" charset="0"/>
-                <a:cs typeface="Courier New" panose="02070309020205020404" pitchFamily="49" charset="0"/>
-              </a:rPr>
-              <a:t>numpy</a:t>
-            </a:r>
-            <a:r>
-              <a:rPr lang="en-US" sz="2400" dirty="0">
-                <a:latin typeface="Courier New" panose="02070309020205020404" pitchFamily="49" charset="0"/>
-                <a:cs typeface="Courier New" panose="02070309020205020404" pitchFamily="49" charset="0"/>
-              </a:rPr>
-              <a:t> as np</a:t>
-            </a:r>
-          </a:p>
-          <a:p>
-            <a:pPr marL="0" indent="0">
-              <a:buNone/>
-            </a:pPr>
-            <a:r>
-              <a:rPr lang="en-US" sz="2400" dirty="0">
-                <a:latin typeface="Courier New" panose="02070309020205020404" pitchFamily="49" charset="0"/>
-                <a:cs typeface="Courier New" panose="02070309020205020404" pitchFamily="49" charset="0"/>
-              </a:rPr>
-              <a:t>a = </a:t>
-            </a:r>
-            <a:r>
-              <a:rPr lang="en-US" sz="2400" dirty="0" err="1">
-                <a:latin typeface="Courier New" panose="02070309020205020404" pitchFamily="49" charset="0"/>
-                <a:cs typeface="Courier New" panose="02070309020205020404" pitchFamily="49" charset="0"/>
-              </a:rPr>
+              <a:rPr lang="en-US" dirty="0"/>
+              <a:t>HINT: Use the </a:t>
+            </a:r>
+            <a:r>
+              <a:rPr lang="en-US" dirty="0" err="1"/>
               <a:t>np.array</a:t>
             </a:r>
             <a:r>
-              <a:rPr lang="en-US" sz="2400" dirty="0">
-                <a:latin typeface="Courier New" panose="02070309020205020404" pitchFamily="49" charset="0"/>
-                <a:cs typeface="Courier New" panose="02070309020205020404" pitchFamily="49" charset="0"/>
-              </a:rPr>
-              <a:t>([[1,2,3],[4,5,6]],</a:t>
-            </a:r>
-            <a:r>
-              <a:rPr lang="en-US" sz="2400" dirty="0" err="1">
-                <a:latin typeface="Courier New" panose="02070309020205020404" pitchFamily="49" charset="0"/>
-                <a:cs typeface="Courier New" panose="02070309020205020404" pitchFamily="49" charset="0"/>
-              </a:rPr>
-              <a:t>dtype</a:t>
-            </a:r>
-            <a:r>
-              <a:rPr lang="en-US" sz="2400" dirty="0">
-                <a:latin typeface="Courier New" panose="02070309020205020404" pitchFamily="49" charset="0"/>
-                <a:cs typeface="Courier New" panose="02070309020205020404" pitchFamily="49" charset="0"/>
-              </a:rPr>
-              <a:t>=np.float32)</a:t>
-            </a:r>
-          </a:p>
-          <a:p>
-            <a:pPr marL="0" indent="0">
-              <a:buNone/>
-            </a:pPr>
-            <a:r>
-              <a:rPr lang="en-US" sz="2400" dirty="0">
-                <a:latin typeface="Courier New" panose="02070309020205020404" pitchFamily="49" charset="0"/>
-                <a:cs typeface="Courier New" panose="02070309020205020404" pitchFamily="49" charset="0"/>
-              </a:rPr>
-              <a:t>Print(</a:t>
-            </a:r>
-            <a:r>
-              <a:rPr lang="en-US" sz="2400" dirty="0" err="1">
-                <a:latin typeface="Courier New" panose="02070309020205020404" pitchFamily="49" charset="0"/>
-                <a:cs typeface="Courier New" panose="02070309020205020404" pitchFamily="49" charset="0"/>
-              </a:rPr>
-              <a:t>a.ndim</a:t>
-            </a:r>
-            <a:r>
-              <a:rPr lang="en-US" sz="2400" dirty="0">
-                <a:latin typeface="Courier New" panose="02070309020205020404" pitchFamily="49" charset="0"/>
-                <a:cs typeface="Courier New" panose="02070309020205020404" pitchFamily="49" charset="0"/>
-              </a:rPr>
-              <a:t>, </a:t>
-            </a:r>
-            <a:r>
-              <a:rPr lang="en-US" sz="2400" dirty="0" err="1">
-                <a:latin typeface="Courier New" panose="02070309020205020404" pitchFamily="49" charset="0"/>
-                <a:cs typeface="Courier New" panose="02070309020205020404" pitchFamily="49" charset="0"/>
-              </a:rPr>
-              <a:t>a.shape</a:t>
-            </a:r>
-            <a:r>
-              <a:rPr lang="en-US" sz="2400" dirty="0">
-                <a:latin typeface="Courier New" panose="02070309020205020404" pitchFamily="49" charset="0"/>
-                <a:cs typeface="Courier New" panose="02070309020205020404" pitchFamily="49" charset="0"/>
-              </a:rPr>
-              <a:t>, </a:t>
-            </a:r>
-            <a:r>
-              <a:rPr lang="en-US" sz="2400" dirty="0" err="1">
-                <a:latin typeface="Courier New" panose="02070309020205020404" pitchFamily="49" charset="0"/>
-                <a:cs typeface="Courier New" panose="02070309020205020404" pitchFamily="49" charset="0"/>
-              </a:rPr>
-              <a:t>a.dtype</a:t>
-            </a:r>
-            <a:r>
-              <a:rPr lang="en-US" sz="2400" dirty="0">
-                <a:latin typeface="Courier New" panose="02070309020205020404" pitchFamily="49" charset="0"/>
-                <a:cs typeface="Courier New" panose="02070309020205020404" pitchFamily="49" charset="0"/>
-              </a:rPr>
-              <a:t>)</a:t>
-            </a:r>
-          </a:p>
-          <a:p>
-            <a:pPr marL="0" indent="0">
-              <a:buNone/>
-            </a:pPr>
-            <a:endParaRPr lang="en-US" sz="2400" dirty="0"/>
-          </a:p>
-          <a:p>
-            <a:pPr marL="514350" indent="-514350">
-              <a:buFont typeface="+mj-lt"/>
-              <a:buAutoNum type="arabicPeriod"/>
-            </a:pPr>
-            <a:r>
-              <a:rPr lang="en-US" sz="2000" dirty="0"/>
-              <a:t>Arrays can have any number of dimensions, including zero (a scalar).</a:t>
-            </a:r>
-          </a:p>
-          <a:p>
-            <a:pPr marL="514350" indent="-514350">
-              <a:buFont typeface="+mj-lt"/>
-              <a:buAutoNum type="arabicPeriod"/>
-            </a:pPr>
-            <a:r>
-              <a:rPr lang="en-US" sz="2000" dirty="0"/>
-              <a:t>Arrays are typed: np.uint8, np.int64, np.float32, np.float64</a:t>
-            </a:r>
-          </a:p>
-          <a:p>
-            <a:pPr marL="514350" indent="-514350">
-              <a:buFont typeface="+mj-lt"/>
-              <a:buAutoNum type="arabicPeriod"/>
-            </a:pPr>
-            <a:r>
-              <a:rPr lang="en-US" sz="2000" dirty="0"/>
-              <a:t>Arrays are dense. Each element of the array exists and has the same type.</a:t>
-            </a:r>
-          </a:p>
-          <a:p>
-            <a:pPr marL="514350" indent="-514350">
-              <a:buFont typeface="+mj-lt"/>
-              <a:buAutoNum type="arabicPeriod"/>
-            </a:pPr>
-            <a:r>
-              <a:rPr lang="en-US" sz="2000" dirty="0"/>
-              <a:t>Arrays are faster than python lists (consume less memory)</a:t>
-            </a:r>
-          </a:p>
-          <a:p>
-            <a:pPr marL="514350" indent="-514350">
-              <a:buFont typeface="+mj-lt"/>
-              <a:buAutoNum type="arabicPeriod"/>
-            </a:pPr>
-            <a:r>
-              <a:rPr lang="en-US" sz="2000" dirty="0"/>
-              <a:t>Can only combine arrays of the same shape!</a:t>
-            </a:r>
-          </a:p>
-        </p:txBody>
-      </p:sp>
-      <p:sp>
-        <p:nvSpPr>
-          <p:cNvPr id="5" name="Slide Number Placeholder 4">
-            <a:extLst>
-              <a:ext uri="{FF2B5EF4-FFF2-40B4-BE49-F238E27FC236}">
-                <a16:creationId xmlns:a16="http://schemas.microsoft.com/office/drawing/2014/main" id="{4FA32C77-5F41-4963-9EC3-296EF53369B3}"/>
-              </a:ext>
-            </a:extLst>
-          </p:cNvPr>
-          <p:cNvSpPr>
-            <a:spLocks noGrp="1"/>
-          </p:cNvSpPr>
-          <p:nvPr>
-            <p:ph type="sldNum" sz="quarter" idx="12"/>
-          </p:nvPr>
-        </p:nvSpPr>
-        <p:spPr/>
-        <p:txBody>
-          <a:bodyPr>
-            <a:normAutofit lnSpcReduction="10000"/>
-          </a:bodyPr>
-          <a:lstStyle/>
-          <a:p>
-            <a:fld id="{4FAB73BC-B049-4115-A692-8D63A059BFB8}" type="slidenum">
-              <a:rPr lang="en-US" smtClean="0"/>
-              <a:t>19</a:t>
-            </a:fld>
-            <a:endParaRPr lang="en-US" dirty="0"/>
+              <a:rPr lang="en-US" dirty="0"/>
+              <a:t> documentation https://numpy.org/doc/stable/reference/generated/numpy.array.html</a:t>
+            </a:r>
           </a:p>
         </p:txBody>
       </p:sp>
     </p:spTree>
     <p:extLst>
       <p:ext uri="{BB962C8B-B14F-4D97-AF65-F5344CB8AC3E}">
-        <p14:creationId xmlns:p14="http://schemas.microsoft.com/office/powerpoint/2010/main" val="2277923903"/>
+        <p14:creationId xmlns:p14="http://schemas.microsoft.com/office/powerpoint/2010/main" val="1200433718"/>
       </p:ext>
     </p:extLst>
   </p:cSld>
@@ -8618,20 +8605,13 @@
           </a:p>
           <a:p>
             <a:r>
-              <a:rPr lang="en-US" dirty="0"/>
-              <a:t>Create an array of integers from 1 to 10 by importing the correct module and defining the array using an appropriate data type.  (do this in a </a:t>
-            </a:r>
-            <a:r>
               <a:rPr lang="en-US" dirty="0" err="1"/>
-              <a:t>jupyter</a:t>
-            </a:r>
-            <a:r>
-              <a:rPr lang="en-US" dirty="0"/>
-              <a:t> notebook)</a:t>
-            </a:r>
-          </a:p>
-          <a:p>
-            <a:endParaRPr lang="en-US" dirty="0"/>
+              <a:t>Whats</a:t>
+            </a:r>
+            <a:r>
+              <a:rPr lang="en-US" dirty="0"/>
+              <a:t> the difference between a class, an object, and an instance?</a:t>
+            </a:r>
           </a:p>
           <a:p>
             <a:endParaRPr lang="en-US" dirty="0"/>
@@ -8673,152 +8653,6 @@
           <p:cNvPr id="2" name="Title 1">
             <a:extLst>
               <a:ext uri="{FF2B5EF4-FFF2-40B4-BE49-F238E27FC236}">
-                <a16:creationId xmlns:a16="http://schemas.microsoft.com/office/drawing/2014/main" id="{05294468-F5EE-475F-9CAF-F09D80DAAB9A}"/>
-              </a:ext>
-            </a:extLst>
-          </p:cNvPr>
-          <p:cNvSpPr>
-            <a:spLocks noGrp="1"/>
-          </p:cNvSpPr>
-          <p:nvPr>
-            <p:ph type="title"/>
-          </p:nvPr>
-        </p:nvSpPr>
-        <p:spPr/>
-        <p:txBody>
-          <a:bodyPr/>
-          <a:lstStyle/>
-          <a:p>
-            <a:r>
-              <a:rPr lang="en-US" dirty="0"/>
-              <a:t>Array Exercise (10 mins)</a:t>
-            </a:r>
-          </a:p>
-        </p:txBody>
-      </p:sp>
-      <p:sp>
-        <p:nvSpPr>
-          <p:cNvPr id="3" name="Content Placeholder 2">
-            <a:extLst>
-              <a:ext uri="{FF2B5EF4-FFF2-40B4-BE49-F238E27FC236}">
-                <a16:creationId xmlns:a16="http://schemas.microsoft.com/office/drawing/2014/main" id="{73A5A2EB-8B39-4CF1-B99B-168DE4A5B7A4}"/>
-              </a:ext>
-            </a:extLst>
-          </p:cNvPr>
-          <p:cNvSpPr>
-            <a:spLocks noGrp="1"/>
-          </p:cNvSpPr>
-          <p:nvPr>
-            <p:ph idx="1"/>
-          </p:nvPr>
-        </p:nvSpPr>
-        <p:spPr/>
-        <p:txBody>
-          <a:bodyPr/>
-          <a:lstStyle/>
-          <a:p>
-            <a:pPr marL="342900" indent="-342900">
-              <a:buAutoNum type="arabicParenR"/>
-            </a:pPr>
-            <a:r>
-              <a:rPr lang="en-US" dirty="0"/>
-              <a:t>Create an array with three dimensions. Confirm it has three dimensions.</a:t>
-            </a:r>
-          </a:p>
-          <a:p>
-            <a:pPr marL="342900" indent="-342900">
-              <a:buAutoNum type="arabicParenR"/>
-            </a:pPr>
-            <a:r>
-              <a:rPr lang="en-US" dirty="0"/>
-              <a:t>Create an array with 6 dimensions (don’t do this manually, use the appropriate </a:t>
-            </a:r>
-            <a:r>
-              <a:rPr lang="en-US" dirty="0" err="1"/>
-              <a:t>kwarg</a:t>
-            </a:r>
-            <a:r>
-              <a:rPr lang="en-US" dirty="0"/>
-              <a:t>)</a:t>
-            </a:r>
-          </a:p>
-          <a:p>
-            <a:pPr marL="342900" indent="-342900">
-              <a:buAutoNum type="arabicParenR"/>
-            </a:pPr>
-            <a:r>
-              <a:rPr lang="en-US" dirty="0"/>
-              <a:t>What does this do: </a:t>
-            </a:r>
-            <a:r>
-              <a:rPr lang="en-US" dirty="0" err="1"/>
-              <a:t>np.ones</a:t>
-            </a:r>
-            <a:r>
-              <a:rPr lang="en-US" dirty="0"/>
-              <a:t>((3,2)) ?</a:t>
-            </a:r>
-          </a:p>
-          <a:p>
-            <a:pPr marL="342900" indent="-342900">
-              <a:buAutoNum type="arabicParenR"/>
-            </a:pPr>
-            <a:endParaRPr lang="en-US" dirty="0"/>
-          </a:p>
-          <a:p>
-            <a:pPr marL="0" indent="0">
-              <a:buNone/>
-            </a:pPr>
-            <a:r>
-              <a:rPr lang="en-US" dirty="0"/>
-              <a:t>HINT: Use the </a:t>
-            </a:r>
-            <a:r>
-              <a:rPr lang="en-US" dirty="0" err="1"/>
-              <a:t>np.array</a:t>
-            </a:r>
-            <a:r>
-              <a:rPr lang="en-US" dirty="0"/>
-              <a:t> documentation https://numpy.org/doc/stable/reference/generated/numpy.array.html</a:t>
-            </a:r>
-          </a:p>
-        </p:txBody>
-      </p:sp>
-    </p:spTree>
-    <p:extLst>
-      <p:ext uri="{BB962C8B-B14F-4D97-AF65-F5344CB8AC3E}">
-        <p14:creationId xmlns:p14="http://schemas.microsoft.com/office/powerpoint/2010/main" val="1200433718"/>
-      </p:ext>
-    </p:extLst>
-  </p:cSld>
-  <p:clrMapOvr>
-    <a:masterClrMapping/>
-  </p:clrMapOvr>
-</p:sld>
-</file>
-
-<file path=ppt/slides/slide21.xml><?xml version="1.0" encoding="utf-8"?>
-<p:sld xmlns:a="http://schemas.openxmlformats.org/drawingml/2006/main" xmlns:r="http://schemas.openxmlformats.org/officeDocument/2006/relationships" xmlns:p="http://schemas.openxmlformats.org/presentationml/2006/main">
-  <p:cSld>
-    <p:spTree>
-      <p:nvGrpSpPr>
-        <p:cNvPr id="1" name=""/>
-        <p:cNvGrpSpPr/>
-        <p:nvPr/>
-      </p:nvGrpSpPr>
-      <p:grpSpPr>
-        <a:xfrm>
-          <a:off x="0" y="0"/>
-          <a:ext cx="0" cy="0"/>
-          <a:chOff x="0" y="0"/>
-          <a:chExt cx="0" cy="0"/>
-        </a:xfrm>
-      </p:grpSpPr>
-      <p:sp>
-        <p:nvSpPr>
-          <p:cNvPr id="2" name="Title 1">
-            <a:extLst>
-              <a:ext uri="{FF2B5EF4-FFF2-40B4-BE49-F238E27FC236}">
                 <a16:creationId xmlns:a16="http://schemas.microsoft.com/office/drawing/2014/main" id="{D94B9B71-08C0-4D02-BE20-ED19E3A3E388}"/>
               </a:ext>
             </a:extLst>
@@ -8918,7 +8752,7 @@
 </p:sld>
 </file>
 
-<file path=ppt/slides/slide22.xml><?xml version="1.0" encoding="utf-8"?>
+<file path=ppt/slides/slide21.xml><?xml version="1.0" encoding="utf-8"?>
 <p:sld xmlns:a="http://schemas.openxmlformats.org/drawingml/2006/main" xmlns:r="http://schemas.openxmlformats.org/officeDocument/2006/relationships" xmlns:p="http://schemas.openxmlformats.org/presentationml/2006/main">
   <p:cSld>
     <p:spTree>
@@ -9231,8 +9065,27 @@
           <a:p>
             <a:r>
               <a:rPr lang="en-US" dirty="0"/>
-              <a:t>Going forward you will need to submit your group activity. We are just checking for completion!</a:t>
-            </a:r>
+              <a:t>Going forward you will need to submit the link to your answer for the group activity (in your </a:t>
+            </a:r>
+            <a:r>
+              <a:rPr lang="en-US" dirty="0" err="1"/>
+              <a:t>github</a:t>
+            </a:r>
+            <a:r>
+              <a:rPr lang="en-US" dirty="0"/>
+              <a:t> repo).</a:t>
+            </a:r>
+          </a:p>
+          <a:p>
+            <a:r>
+              <a:rPr lang="en-US" dirty="0"/>
+              <a:t>We are just checking for completion and that </a:t>
+            </a:r>
+            <a:r>
+              <a:rPr lang="en-US"/>
+              <a:t>your code runs</a:t>
+            </a:r>
+            <a:endParaRPr lang="en-US" dirty="0"/>
           </a:p>
         </p:txBody>
       </p:sp>
@@ -9369,10 +9222,10 @@
       </p:grpSpPr>
       <p:sp>
         <p:nvSpPr>
-          <p:cNvPr id="4" name="Title 3">
+          <p:cNvPr id="2" name="Title 1">
             <a:extLst>
               <a:ext uri="{FF2B5EF4-FFF2-40B4-BE49-F238E27FC236}">
-                <a16:creationId xmlns:a16="http://schemas.microsoft.com/office/drawing/2014/main" id="{172C4736-DB5D-4855-A885-BE8D9F25A864}"/>
+                <a16:creationId xmlns:a16="http://schemas.microsoft.com/office/drawing/2014/main" id="{BE3D1A1B-D13D-4D77-8B55-4A6A706538CD}"/>
               </a:ext>
             </a:extLst>
           </p:cNvPr>
@@ -9380,31 +9233,32 @@
             <a:spLocks noGrp="1"/>
           </p:cNvSpPr>
           <p:nvPr>
-            <p:ph type="ctrTitle"/>
-          </p:nvPr>
-        </p:nvSpPr>
-        <p:spPr/>
+            <p:ph type="title"/>
+          </p:nvPr>
+        </p:nvSpPr>
+        <p:spPr>
+          <a:xfrm>
+            <a:off x="953647" y="-550352"/>
+            <a:ext cx="9692640" cy="1325562"/>
+          </a:xfrm>
+        </p:spPr>
         <p:txBody>
           <a:bodyPr/>
           <a:lstStyle/>
           <a:p>
             <a:r>
-              <a:rPr lang="en-US" dirty="0" err="1"/>
-              <a:t>Whats</a:t>
-            </a:r>
-            <a:r>
-              <a:rPr lang="en-US" dirty="0"/>
-              <a:t> the difference between a class, an object, and an instance?</a:t>
-            </a:r>
-          </a:p>
-        </p:txBody>
-      </p:sp>
-      <p:sp>
-        <p:nvSpPr>
-          <p:cNvPr id="5" name="Subtitle 4">
+              <a:rPr lang="en-US" dirty="0"/>
+              <a:t>Homework Answers (30 mins)</a:t>
+            </a:r>
+          </a:p>
+        </p:txBody>
+      </p:sp>
+      <p:sp>
+        <p:nvSpPr>
+          <p:cNvPr id="3" name="Content Placeholder 2">
             <a:extLst>
               <a:ext uri="{FF2B5EF4-FFF2-40B4-BE49-F238E27FC236}">
-                <a16:creationId xmlns:a16="http://schemas.microsoft.com/office/drawing/2014/main" id="{10E38C2B-6704-464F-858E-BBFABCF4E29B}"/>
+                <a16:creationId xmlns:a16="http://schemas.microsoft.com/office/drawing/2014/main" id="{1C31657E-A052-466D-9218-FD671392B5A7}"/>
               </a:ext>
             </a:extLst>
           </p:cNvPr>
@@ -9412,22 +9266,44 @@
             <a:spLocks noGrp="1"/>
           </p:cNvSpPr>
           <p:nvPr>
-            <p:ph type="subTitle" idx="1"/>
-          </p:nvPr>
-        </p:nvSpPr>
-        <p:spPr/>
-        <p:txBody>
-          <a:bodyPr/>
+            <p:ph idx="1"/>
+          </p:nvPr>
+        </p:nvSpPr>
+        <p:spPr>
+          <a:xfrm>
+            <a:off x="1210501" y="1503452"/>
+            <a:ext cx="8595360" cy="4351337"/>
+          </a:xfrm>
+        </p:spPr>
+        <p:txBody>
+          <a:bodyPr vert="horz" lIns="91440" tIns="45720" rIns="91440" bIns="45720" rtlCol="0" anchor="t">
+            <a:normAutofit/>
+          </a:bodyPr>
           <a:lstStyle/>
           <a:p>
-            <a:endParaRPr lang="en-US"/>
+            <a:r>
+              <a:rPr lang="en-US" dirty="0"/>
+              <a:t>To save some time I will discuss a subset of answers.</a:t>
+            </a:r>
+          </a:p>
+          <a:p>
+            <a:r>
+              <a:rPr lang="en-US" dirty="0"/>
+              <a:t>Voluntarily slack answers to the #datascience channel</a:t>
+            </a:r>
+          </a:p>
+          <a:p>
+            <a:r>
+              <a:rPr lang="en-US" dirty="0"/>
+              <a:t>Don't be shy!</a:t>
+            </a:r>
           </a:p>
         </p:txBody>
       </p:sp>
     </p:spTree>
     <p:extLst>
       <p:ext uri="{BB962C8B-B14F-4D97-AF65-F5344CB8AC3E}">
-        <p14:creationId xmlns:p14="http://schemas.microsoft.com/office/powerpoint/2010/main" val="403847993"/>
+        <p14:creationId xmlns:p14="http://schemas.microsoft.com/office/powerpoint/2010/main" val="2679292092"/>
       </p:ext>
     </p:extLst>
   </p:cSld>
@@ -9456,10 +9332,10 @@
       </p:grpSpPr>
       <p:sp>
         <p:nvSpPr>
-          <p:cNvPr id="2" name="Title 1">
+          <p:cNvPr id="4" name="Title 3">
             <a:extLst>
               <a:ext uri="{FF2B5EF4-FFF2-40B4-BE49-F238E27FC236}">
-                <a16:creationId xmlns:a16="http://schemas.microsoft.com/office/drawing/2014/main" id="{BE3D1A1B-D13D-4D77-8B55-4A6A706538CD}"/>
+                <a16:creationId xmlns:a16="http://schemas.microsoft.com/office/drawing/2014/main" id="{929551A4-9627-4C03-ACAE-83BCA1F1C32E}"/>
               </a:ext>
             </a:extLst>
           </p:cNvPr>
@@ -9470,29 +9346,30 @@
             <p:ph type="title"/>
           </p:nvPr>
         </p:nvSpPr>
-        <p:spPr>
-          <a:xfrm>
-            <a:off x="953647" y="-550352"/>
-            <a:ext cx="9692640" cy="1325562"/>
-          </a:xfrm>
-        </p:spPr>
-        <p:txBody>
-          <a:bodyPr/>
+        <p:spPr/>
+        <p:txBody>
+          <a:bodyPr>
+            <a:normAutofit/>
+          </a:bodyPr>
           <a:lstStyle/>
           <a:p>
             <a:r>
-              <a:rPr lang="en-US" dirty="0"/>
-              <a:t>Homework Answers (30 mins)</a:t>
-            </a:r>
-          </a:p>
-        </p:txBody>
-      </p:sp>
-      <p:sp>
-        <p:nvSpPr>
-          <p:cNvPr id="3" name="Content Placeholder 2">
+              <a:rPr lang="en-US"/>
+              <a:t>It’s </a:t>
+            </a:r>
+            <a:r>
+              <a:rPr lang="en-US" dirty="0"/>
+              <a:t>okay if you don’t understand everything 100% the first time you learn it! </a:t>
+            </a:r>
+          </a:p>
+        </p:txBody>
+      </p:sp>
+      <p:sp>
+        <p:nvSpPr>
+          <p:cNvPr id="5" name="Text Placeholder 4">
             <a:extLst>
               <a:ext uri="{FF2B5EF4-FFF2-40B4-BE49-F238E27FC236}">
-                <a16:creationId xmlns:a16="http://schemas.microsoft.com/office/drawing/2014/main" id="{1C31657E-A052-466D-9218-FD671392B5A7}"/>
+                <a16:creationId xmlns:a16="http://schemas.microsoft.com/office/drawing/2014/main" id="{3B56CE0F-0D4F-493E-A7BE-70B2BFE12753}"/>
               </a:ext>
             </a:extLst>
           </p:cNvPr>
@@ -9500,44 +9377,22 @@
             <a:spLocks noGrp="1"/>
           </p:cNvSpPr>
           <p:nvPr>
-            <p:ph idx="1"/>
-          </p:nvPr>
-        </p:nvSpPr>
-        <p:spPr>
-          <a:xfrm>
-            <a:off x="1210501" y="1503452"/>
-            <a:ext cx="8595360" cy="4351337"/>
-          </a:xfrm>
-        </p:spPr>
-        <p:txBody>
-          <a:bodyPr vert="horz" lIns="91440" tIns="45720" rIns="91440" bIns="45720" rtlCol="0" anchor="t">
-            <a:normAutofit/>
-          </a:bodyPr>
+            <p:ph type="body" idx="1"/>
+          </p:nvPr>
+        </p:nvSpPr>
+        <p:spPr/>
+        <p:txBody>
+          <a:bodyPr/>
           <a:lstStyle/>
           <a:p>
-            <a:r>
-              <a:rPr lang="en-US" dirty="0"/>
-              <a:t>To save some time I will discuss a subset of answers.</a:t>
-            </a:r>
-          </a:p>
-          <a:p>
-            <a:r>
-              <a:rPr lang="en-US" dirty="0"/>
-              <a:t>Voluntarily slack answers to the #datascience channel</a:t>
-            </a:r>
-          </a:p>
-          <a:p>
-            <a:r>
-              <a:rPr lang="en-US" dirty="0"/>
-              <a:t>Don't be shy!</a:t>
-            </a:r>
+            <a:endParaRPr lang="en-US"/>
           </a:p>
         </p:txBody>
       </p:sp>
     </p:spTree>
     <p:extLst>
       <p:ext uri="{BB962C8B-B14F-4D97-AF65-F5344CB8AC3E}">
-        <p14:creationId xmlns:p14="http://schemas.microsoft.com/office/powerpoint/2010/main" val="2679292092"/>
+        <p14:creationId xmlns:p14="http://schemas.microsoft.com/office/powerpoint/2010/main" val="3860728107"/>
       </p:ext>
     </p:extLst>
   </p:cSld>
@@ -9588,12 +9443,8 @@
           <a:lstStyle/>
           <a:p>
             <a:r>
-              <a:rPr lang="en-US"/>
-              <a:t>It’s </a:t>
-            </a:r>
-            <a:r>
-              <a:rPr lang="en-US" dirty="0"/>
-              <a:t>okay if you don’t understand everything 100% the first time you learn it! </a:t>
+              <a:rPr lang="en-US" dirty="0"/>
+              <a:t>Perfect is the enemy of done</a:t>
             </a:r>
           </a:p>
         </p:txBody>
@@ -9623,93 +9474,8 @@
           </a:p>
         </p:txBody>
       </p:sp>
-    </p:spTree>
-    <p:extLst>
-      <p:ext uri="{BB962C8B-B14F-4D97-AF65-F5344CB8AC3E}">
-        <p14:creationId xmlns:p14="http://schemas.microsoft.com/office/powerpoint/2010/main" val="3860728107"/>
-      </p:ext>
-    </p:extLst>
-  </p:cSld>
-  <p:clrMapOvr>
-    <a:masterClrMapping/>
-  </p:clrMapOvr>
-</p:sld>
-</file>
-
-<file path=ppt/slides/slide9.xml><?xml version="1.0" encoding="utf-8"?>
-<p:sld xmlns:a="http://schemas.openxmlformats.org/drawingml/2006/main" xmlns:r="http://schemas.openxmlformats.org/officeDocument/2006/relationships" xmlns:p="http://schemas.openxmlformats.org/presentationml/2006/main">
-  <p:cSld>
-    <p:spTree>
-      <p:nvGrpSpPr>
-        <p:cNvPr id="1" name=""/>
-        <p:cNvGrpSpPr/>
-        <p:nvPr/>
-      </p:nvGrpSpPr>
-      <p:grpSpPr>
-        <a:xfrm>
-          <a:off x="0" y="0"/>
-          <a:ext cx="0" cy="0"/>
-          <a:chOff x="0" y="0"/>
-          <a:chExt cx="0" cy="0"/>
-        </a:xfrm>
-      </p:grpSpPr>
-      <p:sp>
-        <p:nvSpPr>
-          <p:cNvPr id="4" name="Title 3">
-            <a:extLst>
-              <a:ext uri="{FF2B5EF4-FFF2-40B4-BE49-F238E27FC236}">
-                <a16:creationId xmlns:a16="http://schemas.microsoft.com/office/drawing/2014/main" id="{929551A4-9627-4C03-ACAE-83BCA1F1C32E}"/>
-              </a:ext>
-            </a:extLst>
-          </p:cNvPr>
-          <p:cNvSpPr>
-            <a:spLocks noGrp="1"/>
-          </p:cNvSpPr>
-          <p:nvPr>
-            <p:ph type="title"/>
-          </p:nvPr>
-        </p:nvSpPr>
-        <p:spPr/>
-        <p:txBody>
-          <a:bodyPr>
-            <a:normAutofit/>
-          </a:bodyPr>
-          <a:lstStyle/>
-          <a:p>
-            <a:r>
-              <a:rPr lang="en-US" dirty="0"/>
-              <a:t>Perfect is the enemy of done</a:t>
-            </a:r>
-          </a:p>
-        </p:txBody>
-      </p:sp>
-      <p:sp>
-        <p:nvSpPr>
-          <p:cNvPr id="5" name="Text Placeholder 4">
-            <a:extLst>
-              <a:ext uri="{FF2B5EF4-FFF2-40B4-BE49-F238E27FC236}">
-                <a16:creationId xmlns:a16="http://schemas.microsoft.com/office/drawing/2014/main" id="{3B56CE0F-0D4F-493E-A7BE-70B2BFE12753}"/>
-              </a:ext>
-            </a:extLst>
-          </p:cNvPr>
-          <p:cNvSpPr>
-            <a:spLocks noGrp="1"/>
-          </p:cNvSpPr>
-          <p:nvPr>
-            <p:ph type="body" idx="1"/>
-          </p:nvPr>
-        </p:nvSpPr>
-        <p:spPr/>
-        <p:txBody>
-          <a:bodyPr/>
-          <a:lstStyle/>
-          <a:p>
-            <a:endParaRPr lang="en-US"/>
-          </a:p>
-        </p:txBody>
-      </p:sp>
-      <mc:AlternateContent xmlns:mc="http://schemas.openxmlformats.org/markup-compatibility/2006">
-        <mc:Choice xmlns:pslz="http://schemas.microsoft.com/office/powerpoint/2016/slidezoom" Requires="pslz">
+      <mc:AlternateContent xmlns:mc="http://schemas.openxmlformats.org/markup-compatibility/2006" xmlns:pslz="http://schemas.microsoft.com/office/powerpoint/2016/slidezoom">
+        <mc:Choice Requires="pslz">
           <p:graphicFrame>
             <p:nvGraphicFramePr>
               <p:cNvPr id="3" name="Slide Zoom 2">
@@ -9766,7 +9532,7 @@
             </a:graphic>
           </p:graphicFrame>
         </mc:Choice>
-        <mc:Fallback>
+        <mc:Fallback xmlns="">
           <p:pic>
             <p:nvPicPr>
               <p:cNvPr id="3" name="Slide Zoom 2">
@@ -9783,7 +9549,7 @@
               <p:nvPr/>
             </p:nvPicPr>
             <p:blipFill>
-              <a:blip r:embed="rId2"/>
+              <a:blip r:embed="rId4"/>
               <a:stretch>
                 <a:fillRect/>
               </a:stretch>
@@ -9809,6 +9575,188 @@
     <p:extLst>
       <p:ext uri="{BB962C8B-B14F-4D97-AF65-F5344CB8AC3E}">
         <p14:creationId xmlns:p14="http://schemas.microsoft.com/office/powerpoint/2010/main" val="42517172"/>
+      </p:ext>
+    </p:extLst>
+  </p:cSld>
+  <p:clrMapOvr>
+    <a:masterClrMapping/>
+  </p:clrMapOvr>
+</p:sld>
+</file>
+
+<file path=ppt/slides/slide9.xml><?xml version="1.0" encoding="utf-8"?>
+<p:sld xmlns:a="http://schemas.openxmlformats.org/drawingml/2006/main" xmlns:r="http://schemas.openxmlformats.org/officeDocument/2006/relationships" xmlns:p="http://schemas.openxmlformats.org/presentationml/2006/main">
+  <p:cSld>
+    <p:spTree>
+      <p:nvGrpSpPr>
+        <p:cNvPr id="1" name=""/>
+        <p:cNvGrpSpPr/>
+        <p:nvPr/>
+      </p:nvGrpSpPr>
+      <p:grpSpPr>
+        <a:xfrm>
+          <a:off x="0" y="0"/>
+          <a:ext cx="0" cy="0"/>
+          <a:chOff x="0" y="0"/>
+          <a:chExt cx="0" cy="0"/>
+        </a:xfrm>
+      </p:grpSpPr>
+      <p:sp>
+        <p:nvSpPr>
+          <p:cNvPr id="2" name="Title 1">
+            <a:extLst>
+              <a:ext uri="{FF2B5EF4-FFF2-40B4-BE49-F238E27FC236}">
+                <a16:creationId xmlns:a16="http://schemas.microsoft.com/office/drawing/2014/main" id="{F140A057-ED11-48AF-B8A0-4551E7C8AADB}"/>
+              </a:ext>
+            </a:extLst>
+          </p:cNvPr>
+          <p:cNvSpPr>
+            <a:spLocks noGrp="1"/>
+          </p:cNvSpPr>
+          <p:nvPr>
+            <p:ph type="title"/>
+          </p:nvPr>
+        </p:nvSpPr>
+        <p:spPr/>
+        <p:txBody>
+          <a:bodyPr/>
+          <a:lstStyle/>
+          <a:p>
+            <a:r>
+              <a:rPr lang="en-US" dirty="0"/>
+              <a:t>Objects</a:t>
+            </a:r>
+          </a:p>
+        </p:txBody>
+      </p:sp>
+      <p:sp>
+        <p:nvSpPr>
+          <p:cNvPr id="3" name="Content Placeholder 2">
+            <a:extLst>
+              <a:ext uri="{FF2B5EF4-FFF2-40B4-BE49-F238E27FC236}">
+                <a16:creationId xmlns:a16="http://schemas.microsoft.com/office/drawing/2014/main" id="{51595963-E1EF-44EF-B545-0E064A4E58A4}"/>
+              </a:ext>
+            </a:extLst>
+          </p:cNvPr>
+          <p:cNvSpPr>
+            <a:spLocks noGrp="1"/>
+          </p:cNvSpPr>
+          <p:nvPr>
+            <p:ph idx="1"/>
+          </p:nvPr>
+        </p:nvSpPr>
+        <p:spPr/>
+        <p:txBody>
+          <a:bodyPr>
+            <a:normAutofit/>
+          </a:bodyPr>
+          <a:lstStyle/>
+          <a:p>
+            <a:r>
+              <a:rPr lang="en-US" dirty="0"/>
+              <a:t>All objects have 2 things: </a:t>
+            </a:r>
+          </a:p>
+          <a:p>
+            <a:pPr lvl="1"/>
+            <a:r>
+              <a:rPr lang="en-US" dirty="0"/>
+              <a:t>State</a:t>
+            </a:r>
+          </a:p>
+          <a:p>
+            <a:pPr lvl="1"/>
+            <a:r>
+              <a:rPr lang="en-US" dirty="0"/>
+              <a:t>Behavior</a:t>
+            </a:r>
+          </a:p>
+          <a:p>
+            <a:r>
+              <a:rPr lang="en-US" dirty="0"/>
+              <a:t>Using objects allows for us to:</a:t>
+            </a:r>
+          </a:p>
+          <a:p>
+            <a:pPr lvl="1"/>
+            <a:r>
+              <a:rPr lang="en-US" dirty="0"/>
+              <a:t>Make our code modular</a:t>
+            </a:r>
+          </a:p>
+          <a:p>
+            <a:pPr lvl="1"/>
+            <a:r>
+              <a:rPr lang="en-US" dirty="0"/>
+              <a:t>Hide information (IDs, sensitive information, </a:t>
+            </a:r>
+            <a:r>
+              <a:rPr lang="en-US" dirty="0" err="1"/>
+              <a:t>etc</a:t>
+            </a:r>
+            <a:r>
+              <a:rPr lang="en-US" dirty="0"/>
+              <a:t>)</a:t>
+            </a:r>
+          </a:p>
+          <a:p>
+            <a:pPr lvl="1"/>
+            <a:r>
+              <a:rPr lang="en-US" dirty="0"/>
+              <a:t>Re-use code</a:t>
+            </a:r>
+          </a:p>
+          <a:p>
+            <a:pPr lvl="1"/>
+            <a:r>
+              <a:rPr lang="en-US" dirty="0"/>
+              <a:t>Easier debugging</a:t>
+            </a:r>
+          </a:p>
+          <a:p>
+            <a:pPr marL="274320" lvl="1" indent="0">
+              <a:buNone/>
+            </a:pPr>
+            <a:endParaRPr lang="en-US" dirty="0"/>
+          </a:p>
+          <a:p>
+            <a:pPr marL="274320" lvl="1" indent="0">
+              <a:buNone/>
+            </a:pPr>
+            <a:endParaRPr lang="en-US" dirty="0"/>
+          </a:p>
+          <a:p>
+            <a:r>
+              <a:rPr lang="en-US" dirty="0"/>
+              <a:t>What is an object around you (on your desk, in your house)? What is its state and behavior?</a:t>
+            </a:r>
+          </a:p>
+          <a:p>
+            <a:pPr lvl="1"/>
+            <a:endParaRPr lang="en-US" dirty="0"/>
+          </a:p>
+          <a:p>
+            <a:pPr marL="274320" lvl="1" indent="0">
+              <a:buNone/>
+            </a:pPr>
+            <a:endParaRPr lang="en-US" dirty="0"/>
+          </a:p>
+          <a:p>
+            <a:pPr lvl="1"/>
+            <a:endParaRPr lang="en-US" dirty="0"/>
+          </a:p>
+          <a:p>
+            <a:pPr marL="274320" lvl="1" indent="0">
+              <a:buNone/>
+            </a:pPr>
+            <a:endParaRPr lang="en-US" dirty="0"/>
+          </a:p>
+        </p:txBody>
+      </p:sp>
+    </p:spTree>
+    <p:extLst>
+      <p:ext uri="{BB962C8B-B14F-4D97-AF65-F5344CB8AC3E}">
+        <p14:creationId xmlns:p14="http://schemas.microsoft.com/office/powerpoint/2010/main" val="353548261"/>
       </p:ext>
     </p:extLst>
   </p:cSld>

--- a/course_material/week_03/week_03_presentation.pptx
+++ b/course_material/week_03/week_03_presentation.pptx
@@ -295,8 +295,11 @@
     </a:lvl9pPr>
   </p:defaultTextStyle>
   <p:extLst>
+    <p:ext uri="{EFAFB233-063F-42B5-8137-9DF3F51BA10A}">
+      <p15:sldGuideLst xmlns:p15="http://schemas.microsoft.com/office/powerpoint/2012/main"/>
+    </p:ext>
     <p:ext uri="http://customooxmlschemas.google.com/">
-      <go:slidesCustomData xmlns:go="http://customooxmlschemas.google.com/" xmlns:ahyp="http://schemas.microsoft.com/office/drawing/2018/hyperlinkcolor" xmlns:p15="http://schemas.microsoft.com/office/powerpoint/2012/main" xmlns:p14="http://schemas.microsoft.com/office/powerpoint/2010/main" xmlns:com="http://schemas.openxmlformats.org/drawingml/2006/compatibility" xmlns:pvml="urn:schemas-microsoft-com:office:powerpoint" xmlns:v="urn:schemas-microsoft-com:vml" xmlns:o="urn:schemas-microsoft-com:office:office" xmlns:dgm="http://schemas.openxmlformats.org/drawingml/2006/diagram" xmlns:c="http://schemas.openxmlformats.org/drawingml/2006/chart" xmlns:mv="urn:schemas-microsoft-com:mac:vml" xmlns:mc="http://schemas.openxmlformats.org/markup-compatibility/2006" xmlns="" r:id="rId40" roundtripDataSignature="AMtx7mjTdcwLOdxx4HjoLhDz6uHzeFuYSA=="/>
+      <go:slidesCustomData xmlns="" xmlns:mc="http://schemas.openxmlformats.org/markup-compatibility/2006" xmlns:mv="urn:schemas-microsoft-com:mac:vml" xmlns:c="http://schemas.openxmlformats.org/drawingml/2006/chart" xmlns:dgm="http://schemas.openxmlformats.org/drawingml/2006/diagram" xmlns:o="urn:schemas-microsoft-com:office:office" xmlns:v="urn:schemas-microsoft-com:vml" xmlns:pvml="urn:schemas-microsoft-com:office:powerpoint" xmlns:com="http://schemas.openxmlformats.org/drawingml/2006/compatibility" xmlns:p14="http://schemas.microsoft.com/office/powerpoint/2010/main" xmlns:p15="http://schemas.microsoft.com/office/powerpoint/2012/main" xmlns:ahyp="http://schemas.microsoft.com/office/drawing/2018/hyperlinkcolor" xmlns:go="http://customooxmlschemas.google.com/" r:id="rId40" roundtripDataSignature="AMtx7mjTdcwLOdxx4HjoLhDz6uHzeFuYSA=="/>
     </p:ext>
   </p:extLst>
 </p:presentation>
@@ -13980,10 +13983,10 @@
               <a:buNone/>
             </a:pPr>
             <a:r>
-              <a:rPr lang="en-US"/>
+              <a:rPr lang="en-US" dirty="0"/>
               <a:t>Static Method Practice</a:t>
             </a:r>
-            <a:endParaRPr/>
+            <a:endParaRPr dirty="0"/>
           </a:p>
         </p:txBody>
       </p:sp>
@@ -14030,10 +14033,10 @@
               <a:buChar char="•"/>
             </a:pPr>
             <a:r>
-              <a:rPr lang="en-US"/>
+              <a:rPr lang="en-US" dirty="0"/>
               <a:t>Why does this not work? Fix it to make it work. </a:t>
             </a:r>
-            <a:endParaRPr/>
+            <a:endParaRPr dirty="0"/>
           </a:p>
           <a:p>
             <a:pPr marL="0" lvl="0" indent="0" algn="l" rtl="0">
@@ -14050,7 +14053,7 @@
               <a:buNone/>
             </a:pPr>
             <a:r>
-              <a:rPr lang="en-US" sz="1800" b="0" i="0" u="none" strike="noStrike" cap="none">
+              <a:rPr lang="en-US" sz="1800" b="0" i="0" u="none" strike="noStrike" cap="none" dirty="0">
                 <a:solidFill>
                   <a:srgbClr val="859900"/>
                 </a:solidFill>
@@ -14062,7 +14065,7 @@
               <a:t>class</a:t>
             </a:r>
             <a:r>
-              <a:rPr lang="en-US" sz="1800" b="0" i="0" u="none" strike="noStrike" cap="none">
+              <a:rPr lang="en-US" sz="1800" b="0" i="0" u="none" strike="noStrike" cap="none" dirty="0">
                 <a:solidFill>
                   <a:srgbClr val="666666"/>
                 </a:solidFill>
@@ -14074,7 +14077,7 @@
               <a:t> </a:t>
             </a:r>
             <a:r>
-              <a:rPr lang="en-US" sz="1800" b="0" i="0" u="none" strike="noStrike" cap="none">
+              <a:rPr lang="en-US" sz="1800" b="0" i="0" u="none" strike="noStrike" cap="none" dirty="0">
                 <a:solidFill>
                   <a:srgbClr val="B58900"/>
                 </a:solidFill>
@@ -14086,7 +14089,7 @@
               <a:t>Music</a:t>
             </a:r>
             <a:r>
-              <a:rPr lang="en-US" sz="1800" b="0" i="0" u="none" strike="noStrike" cap="none">
+              <a:rPr lang="en-US" sz="1800" b="0" i="0" u="none" strike="noStrike" cap="none" dirty="0">
                 <a:solidFill>
                   <a:srgbClr val="666666"/>
                 </a:solidFill>
@@ -14098,7 +14101,110 @@
               <a:t>:</a:t>
             </a:r>
             <a:br>
-              <a:rPr lang="en-US" sz="1800" b="0" i="0" u="none" strike="noStrike" cap="none">
+              <a:rPr lang="en-US" sz="1800" b="0" i="0" u="none" strike="noStrike" cap="none" dirty="0">
+                <a:solidFill>
+                  <a:srgbClr val="666666"/>
+                </a:solidFill>
+                <a:latin typeface="Arimo"/>
+                <a:ea typeface="Arimo"/>
+                <a:cs typeface="Arimo"/>
+                <a:sym typeface="Arimo"/>
+              </a:rPr>
+            </a:br>
+            <a:r>
+              <a:rPr lang="en-US" sz="1800" b="0" i="0" u="none" strike="noStrike" cap="none" dirty="0">
+                <a:solidFill>
+                  <a:srgbClr val="666666"/>
+                </a:solidFill>
+                <a:latin typeface="Arimo"/>
+                <a:ea typeface="Arimo"/>
+                <a:cs typeface="Arimo"/>
+                <a:sym typeface="Arimo"/>
+              </a:rPr>
+              <a:t>	</a:t>
+            </a:r>
+            <a:r>
+              <a:rPr lang="en-US" sz="1800" b="0" i="0" u="none" strike="noStrike" cap="none" dirty="0">
+                <a:latin typeface="Arimo"/>
+                <a:ea typeface="Arimo"/>
+                <a:cs typeface="Arimo"/>
+                <a:sym typeface="Arimo"/>
+              </a:rPr>
+              <a:t>@staticmethod</a:t>
+            </a:r>
+            <a:br>
+              <a:rPr lang="en-US" sz="1800" b="0" i="0" u="none" strike="noStrike" cap="none" dirty="0">
+                <a:solidFill>
+                  <a:srgbClr val="666666"/>
+                </a:solidFill>
+                <a:latin typeface="Arimo"/>
+                <a:ea typeface="Arimo"/>
+                <a:cs typeface="Arimo"/>
+                <a:sym typeface="Arimo"/>
+              </a:rPr>
+            </a:br>
+            <a:r>
+              <a:rPr lang="en-US" sz="1800" b="0" i="0" u="none" strike="noStrike" cap="none" dirty="0">
+                <a:solidFill>
+                  <a:srgbClr val="666666"/>
+                </a:solidFill>
+                <a:latin typeface="Arimo"/>
+                <a:ea typeface="Arimo"/>
+                <a:cs typeface="Arimo"/>
+                <a:sym typeface="Arimo"/>
+              </a:rPr>
+              <a:t>	</a:t>
+            </a:r>
+            <a:r>
+              <a:rPr lang="en-US" sz="1800" b="0" i="0" u="none" strike="noStrike" cap="none" dirty="0">
+                <a:solidFill>
+                  <a:srgbClr val="859900"/>
+                </a:solidFill>
+                <a:latin typeface="Arimo"/>
+                <a:ea typeface="Arimo"/>
+                <a:cs typeface="Arimo"/>
+                <a:sym typeface="Arimo"/>
+              </a:rPr>
+              <a:t>def</a:t>
+            </a:r>
+            <a:r>
+              <a:rPr lang="en-US" sz="1800" b="0" i="0" u="none" strike="noStrike" cap="none" dirty="0">
+                <a:solidFill>
+                  <a:srgbClr val="666666"/>
+                </a:solidFill>
+                <a:latin typeface="Arimo"/>
+                <a:ea typeface="Arimo"/>
+                <a:cs typeface="Arimo"/>
+                <a:sym typeface="Arimo"/>
+              </a:rPr>
+              <a:t> </a:t>
+            </a:r>
+            <a:r>
+              <a:rPr lang="en-US" sz="1800" b="0" i="0" u="none" strike="noStrike" cap="none" dirty="0">
+                <a:solidFill>
+                  <a:srgbClr val="268BD2"/>
+                </a:solidFill>
+                <a:latin typeface="Arimo"/>
+                <a:ea typeface="Arimo"/>
+                <a:cs typeface="Arimo"/>
+                <a:sym typeface="Arimo"/>
+              </a:rPr>
+              <a:t>play</a:t>
+            </a:r>
+            <a:r>
+              <a:rPr lang="en-US" sz="1800" b="0" i="0" u="none" strike="noStrike" cap="none" dirty="0">
+                <a:solidFill>
+                  <a:srgbClr val="666666"/>
+                </a:solidFill>
+                <a:latin typeface="Arimo"/>
+                <a:ea typeface="Arimo"/>
+                <a:cs typeface="Arimo"/>
+                <a:sym typeface="Arimo"/>
+              </a:rPr>
+              <a:t>():</a:t>
+            </a:r>
+            <a:br>
+              <a:rPr lang="en-US" sz="1800" b="0" i="0" u="none" strike="noStrike" cap="none" dirty="0">
                 <a:solidFill>
                   <a:srgbClr val="666666"/>
                 </a:solidFill>
@@ -14118,19 +14224,128 @@
                 <a:cs typeface="Arimo"/>
                 <a:sym typeface="Arimo"/>
               </a:rPr>
-              <a:t>	</a:t>
+              <a:t>	    print</a:t>
             </a:r>
             <a:r>
-              <a:rPr lang="en-US" sz="1800" b="0" i="0" u="none" strike="noStrike" cap="none">
+              <a:rPr lang="en-US" sz="1800" b="0" i="0" u="none" strike="noStrike" cap="none" dirty="0">
+                <a:solidFill>
+                  <a:srgbClr val="666666"/>
+                </a:solidFill>
                 <a:latin typeface="Arimo"/>
                 <a:ea typeface="Arimo"/>
                 <a:cs typeface="Arimo"/>
                 <a:sym typeface="Arimo"/>
               </a:rPr>
-              <a:t>@staticmethod</a:t>
+              <a:t>(</a:t>
+            </a:r>
+            <a:r>
+              <a:rPr lang="en-US" sz="1800" b="0" i="0" u="none" strike="noStrike" cap="none" dirty="0">
+                <a:solidFill>
+                  <a:srgbClr val="2AA198"/>
+                </a:solidFill>
+                <a:latin typeface="Arimo"/>
+                <a:ea typeface="Arimo"/>
+                <a:cs typeface="Arimo"/>
+                <a:sym typeface="Arimo"/>
+              </a:rPr>
+              <a:t>"*playing music*"</a:t>
+            </a:r>
+            <a:r>
+              <a:rPr lang="en-US" sz="1800" b="0" i="0" u="none" strike="noStrike" cap="none" dirty="0">
+                <a:solidFill>
+                  <a:srgbClr val="666666"/>
+                </a:solidFill>
+                <a:latin typeface="Arimo"/>
+                <a:ea typeface="Arimo"/>
+                <a:cs typeface="Arimo"/>
+                <a:sym typeface="Arimo"/>
+              </a:rPr>
+              <a:t>)</a:t>
             </a:r>
             <a:br>
-              <a:rPr lang="en-US" sz="1800" b="0" i="0" u="none" strike="noStrike" cap="none">
+              <a:rPr lang="en-US" sz="1800" b="0" i="0" u="none" strike="noStrike" cap="none" dirty="0">
+                <a:solidFill>
+                  <a:srgbClr val="666666"/>
+                </a:solidFill>
+                <a:latin typeface="Arimo"/>
+                <a:ea typeface="Arimo"/>
+                <a:cs typeface="Arimo"/>
+                <a:sym typeface="Arimo"/>
+              </a:rPr>
+            </a:br>
+            <a:br>
+              <a:rPr lang="en-US" sz="1800" b="0" i="0" u="none" strike="noStrike" cap="none" dirty="0">
+                <a:solidFill>
+                  <a:srgbClr val="666666"/>
+                </a:solidFill>
+                <a:latin typeface="Arimo"/>
+                <a:ea typeface="Arimo"/>
+                <a:cs typeface="Arimo"/>
+                <a:sym typeface="Arimo"/>
+              </a:rPr>
+            </a:br>
+            <a:r>
+              <a:rPr lang="en-US" sz="1800" b="0" i="0" u="none" strike="noStrike" cap="none" dirty="0">
+                <a:solidFill>
+                  <a:srgbClr val="666666"/>
+                </a:solidFill>
+                <a:latin typeface="Arimo"/>
+                <a:ea typeface="Arimo"/>
+                <a:cs typeface="Arimo"/>
+                <a:sym typeface="Arimo"/>
+              </a:rPr>
+              <a:t>	</a:t>
+            </a:r>
+            <a:r>
+              <a:rPr lang="en-US" sz="1800" b="0" i="0" u="none" strike="noStrike" cap="none" dirty="0">
+                <a:solidFill>
+                  <a:srgbClr val="859900"/>
+                </a:solidFill>
+                <a:latin typeface="Arimo"/>
+                <a:ea typeface="Arimo"/>
+                <a:cs typeface="Arimo"/>
+                <a:sym typeface="Arimo"/>
+              </a:rPr>
+              <a:t>def</a:t>
+            </a:r>
+            <a:r>
+              <a:rPr lang="en-US" sz="1800" b="0" i="0" u="none" strike="noStrike" cap="none" dirty="0">
+                <a:solidFill>
+                  <a:srgbClr val="666666"/>
+                </a:solidFill>
+                <a:latin typeface="Arimo"/>
+                <a:ea typeface="Arimo"/>
+                <a:cs typeface="Arimo"/>
+                <a:sym typeface="Arimo"/>
+              </a:rPr>
+              <a:t> </a:t>
+            </a:r>
+            <a:r>
+              <a:rPr lang="en-US" sz="1800" b="0" i="0" u="none" strike="noStrike" cap="none" dirty="0">
+                <a:solidFill>
+                  <a:srgbClr val="268BD2"/>
+                </a:solidFill>
+                <a:latin typeface="Arimo"/>
+                <a:ea typeface="Arimo"/>
+                <a:cs typeface="Arimo"/>
+                <a:sym typeface="Arimo"/>
+              </a:rPr>
+              <a:t>stop</a:t>
+            </a:r>
+            <a:r>
+              <a:rPr lang="en-US" sz="1800" b="0" i="0" u="none" strike="noStrike" cap="none" dirty="0">
+                <a:solidFill>
+                  <a:srgbClr val="666666"/>
+                </a:solidFill>
+                <a:latin typeface="Arimo"/>
+                <a:ea typeface="Arimo"/>
+                <a:cs typeface="Arimo"/>
+                <a:sym typeface="Arimo"/>
+              </a:rPr>
+              <a:t>(self):</a:t>
+            </a:r>
+            <a:br>
+              <a:rPr lang="en-US" sz="1800" b="0" i="0" u="none" strike="noStrike" cap="none" dirty="0">
                 <a:solidFill>
                   <a:srgbClr val="666666"/>
                 </a:solidFill>
@@ -14150,22 +14365,10 @@
                 <a:cs typeface="Arimo"/>
                 <a:sym typeface="Arimo"/>
               </a:rPr>
-              <a:t>	</a:t>
+              <a:t>	    print</a:t>
             </a:r>
             <a:r>
-              <a:rPr lang="en-US" sz="1800" b="0" i="0" u="none" strike="noStrike" cap="none">
-                <a:solidFill>
-                  <a:srgbClr val="859900"/>
-                </a:solidFill>
-                <a:latin typeface="Arimo"/>
-                <a:ea typeface="Arimo"/>
-                <a:cs typeface="Arimo"/>
-                <a:sym typeface="Arimo"/>
-              </a:rPr>
-              <a:t>def</a:t>
-            </a:r>
-            <a:r>
-              <a:rPr lang="en-US" sz="1800" b="0" i="0" u="none" strike="noStrike" cap="none">
+              <a:rPr lang="en-US" sz="1800" b="0" i="0" u="none" strike="noStrike" cap="none" dirty="0">
                 <a:solidFill>
                   <a:srgbClr val="666666"/>
                 </a:solidFill>
@@ -14174,57 +14377,10 @@
                 <a:cs typeface="Arimo"/>
                 <a:sym typeface="Arimo"/>
               </a:rPr>
-              <a:t> </a:t>
+              <a:t>(</a:t>
             </a:r>
             <a:r>
-              <a:rPr lang="en-US" sz="1800" b="0" i="0" u="none" strike="noStrike" cap="none">
-                <a:solidFill>
-                  <a:srgbClr val="268BD2"/>
-                </a:solidFill>
-                <a:latin typeface="Arimo"/>
-                <a:ea typeface="Arimo"/>
-                <a:cs typeface="Arimo"/>
-                <a:sym typeface="Arimo"/>
-              </a:rPr>
-              <a:t>play</a:t>
-            </a:r>
-            <a:r>
-              <a:rPr lang="en-US" sz="1800" b="0" i="0" u="none" strike="noStrike" cap="none">
-                <a:solidFill>
-                  <a:srgbClr val="666666"/>
-                </a:solidFill>
-                <a:latin typeface="Arimo"/>
-                <a:ea typeface="Arimo"/>
-                <a:cs typeface="Arimo"/>
-                <a:sym typeface="Arimo"/>
-              </a:rPr>
-              <a:t>():</a:t>
-            </a:r>
-            <a:br>
-              <a:rPr lang="en-US" sz="1800" b="0" i="0" u="none" strike="noStrike" cap="none">
-                <a:solidFill>
-                  <a:srgbClr val="666666"/>
-                </a:solidFill>
-                <a:latin typeface="Arimo"/>
-                <a:ea typeface="Arimo"/>
-                <a:cs typeface="Arimo"/>
-                <a:sym typeface="Arimo"/>
-              </a:rPr>
-            </a:br>
-            <a:r>
-              <a:rPr lang="en-US" sz="1800" b="0" i="0" u="none" strike="noStrike" cap="none">
-                <a:solidFill>
-                  <a:srgbClr val="666666"/>
-                </a:solidFill>
-                <a:latin typeface="Arimo"/>
-                <a:ea typeface="Arimo"/>
-                <a:cs typeface="Arimo"/>
-                <a:sym typeface="Arimo"/>
-              </a:rPr>
-              <a:t>	print(</a:t>
-            </a:r>
-            <a:r>
-              <a:rPr lang="en-US" sz="1800" b="0" i="0" u="none" strike="noStrike" cap="none">
+              <a:rPr lang="en-US" sz="1800" b="0" i="0" u="none" strike="noStrike" cap="none" dirty="0">
                 <a:solidFill>
                   <a:srgbClr val="2AA198"/>
                 </a:solidFill>
@@ -14233,10 +14389,10 @@
                 <a:cs typeface="Arimo"/>
                 <a:sym typeface="Arimo"/>
               </a:rPr>
-              <a:t>"*playing music*"</a:t>
+              <a:t>"stop playing"</a:t>
             </a:r>
             <a:r>
-              <a:rPr lang="en-US" sz="1800" b="0" i="0" u="none" strike="noStrike" cap="none">
+              <a:rPr lang="en-US" sz="1800" b="0" i="0" u="none" strike="noStrike" cap="none" dirty="0">
                 <a:solidFill>
                   <a:srgbClr val="666666"/>
                 </a:solidFill>
@@ -14248,7 +14404,7 @@
               <a:t>)</a:t>
             </a:r>
             <a:br>
-              <a:rPr lang="en-US" sz="1800" b="0" i="0" u="none" strike="noStrike" cap="none">
+              <a:rPr lang="en-US" sz="1800" b="0" i="0" u="none" strike="noStrike" cap="none" dirty="0">
                 <a:solidFill>
                   <a:srgbClr val="666666"/>
                 </a:solidFill>
@@ -14259,7 +14415,7 @@
               </a:rPr>
             </a:br>
             <a:br>
-              <a:rPr lang="en-US" sz="1800" b="0" i="0" u="none" strike="noStrike" cap="none">
+              <a:rPr lang="en-US" sz="1800" b="0" i="0" u="none" strike="noStrike" cap="none" dirty="0">
                 <a:solidFill>
                   <a:srgbClr val="666666"/>
                 </a:solidFill>
@@ -14270,70 +14426,25 @@
               </a:rPr>
             </a:br>
             <a:r>
-              <a:rPr lang="en-US" sz="1800" b="0" i="0" u="none" strike="noStrike" cap="none">
-                <a:solidFill>
-                  <a:srgbClr val="666666"/>
-                </a:solidFill>
+              <a:rPr lang="en-US" sz="1800" b="0" i="0" u="none" strike="noStrike" cap="none" dirty="0" err="1">
                 <a:latin typeface="Arimo"/>
                 <a:ea typeface="Arimo"/>
                 <a:cs typeface="Arimo"/>
                 <a:sym typeface="Arimo"/>
               </a:rPr>
-              <a:t>	</a:t>
+              <a:t>Music.play</a:t>
             </a:r>
             <a:r>
-              <a:rPr lang="en-US" sz="1800" b="0" i="0" u="none" strike="noStrike" cap="none">
-                <a:solidFill>
-                  <a:srgbClr val="859900"/>
-                </a:solidFill>
+              <a:rPr lang="en-US" sz="1800" b="0" i="0" u="none" strike="noStrike" cap="none" dirty="0">
                 <a:latin typeface="Arimo"/>
                 <a:ea typeface="Arimo"/>
                 <a:cs typeface="Arimo"/>
                 <a:sym typeface="Arimo"/>
               </a:rPr>
-              <a:t>def</a:t>
-            </a:r>
-            <a:r>
-              <a:rPr lang="en-US" sz="1800" b="0" i="0" u="none" strike="noStrike" cap="none">
-                <a:solidFill>
-                  <a:srgbClr val="666666"/>
-                </a:solidFill>
-                <a:latin typeface="Arimo"/>
-                <a:ea typeface="Arimo"/>
-                <a:cs typeface="Arimo"/>
-                <a:sym typeface="Arimo"/>
-              </a:rPr>
-              <a:t> </a:t>
-            </a:r>
-            <a:r>
-              <a:rPr lang="en-US" sz="1800" b="0" i="0" u="none" strike="noStrike" cap="none">
-                <a:solidFill>
-                  <a:srgbClr val="268BD2"/>
-                </a:solidFill>
-                <a:latin typeface="Arimo"/>
-                <a:ea typeface="Arimo"/>
-                <a:cs typeface="Arimo"/>
-                <a:sym typeface="Arimo"/>
-              </a:rPr>
-              <a:t>stop</a:t>
-            </a:r>
-            <a:r>
-              <a:rPr lang="en-US" sz="1800" b="0" i="0" u="none" strike="noStrike" cap="none">
-                <a:solidFill>
-                  <a:srgbClr val="666666"/>
-                </a:solidFill>
-                <a:latin typeface="Arimo"/>
-                <a:ea typeface="Arimo"/>
-                <a:cs typeface="Arimo"/>
-                <a:sym typeface="Arimo"/>
-              </a:rPr>
-              <a:t>(self):</a:t>
+              <a:t>()</a:t>
             </a:r>
             <a:br>
-              <a:rPr lang="en-US" sz="1800" b="0" i="0" u="none" strike="noStrike" cap="none">
-                <a:solidFill>
-                  <a:srgbClr val="666666"/>
-                </a:solidFill>
+              <a:rPr lang="en-US" sz="1800" b="0" i="0" u="none" strike="noStrike" cap="none" dirty="0">
                 <a:latin typeface="Arimo"/>
                 <a:ea typeface="Arimo"/>
                 <a:cs typeface="Arimo"/>
@@ -14341,94 +14452,28 @@
               </a:rPr>
             </a:br>
             <a:r>
-              <a:rPr lang="en-US" sz="1800" b="0" i="0" u="none" strike="noStrike" cap="none">
-                <a:solidFill>
-                  <a:srgbClr val="666666"/>
-                </a:solidFill>
+              <a:rPr lang="en-US" sz="1800" b="0" i="0" u="none" strike="noStrike" cap="none" dirty="0" err="1">
                 <a:latin typeface="Arimo"/>
                 <a:ea typeface="Arimo"/>
                 <a:cs typeface="Arimo"/>
                 <a:sym typeface="Arimo"/>
               </a:rPr>
-              <a:t>	print(</a:t>
+              <a:t>Music.stop</a:t>
             </a:r>
             <a:r>
-              <a:rPr lang="en-US" sz="1800" b="0" i="0" u="none" strike="noStrike" cap="none">
-                <a:solidFill>
-                  <a:srgbClr val="2AA198"/>
-                </a:solidFill>
+              <a:rPr lang="en-US" sz="1800" b="0" i="0" u="none" strike="noStrike" cap="none" dirty="0">
                 <a:latin typeface="Arimo"/>
                 <a:ea typeface="Arimo"/>
                 <a:cs typeface="Arimo"/>
                 <a:sym typeface="Arimo"/>
               </a:rPr>
-              <a:t>"stop playing"</a:t>
+              <a:t>()</a:t>
             </a:r>
             <a:r>
-              <a:rPr lang="en-US" sz="1800" b="0" i="0" u="none" strike="noStrike" cap="none">
-                <a:solidFill>
-                  <a:srgbClr val="666666"/>
-                </a:solidFill>
-                <a:latin typeface="Arimo"/>
-                <a:ea typeface="Arimo"/>
-                <a:cs typeface="Arimo"/>
-                <a:sym typeface="Arimo"/>
-              </a:rPr>
-              <a:t>)</a:t>
-            </a:r>
-            <a:br>
-              <a:rPr lang="en-US" sz="1800" b="0" i="0" u="none" strike="noStrike" cap="none">
-                <a:solidFill>
-                  <a:srgbClr val="666666"/>
-                </a:solidFill>
-                <a:latin typeface="Arimo"/>
-                <a:ea typeface="Arimo"/>
-                <a:cs typeface="Arimo"/>
-                <a:sym typeface="Arimo"/>
-              </a:rPr>
-            </a:br>
-            <a:br>
-              <a:rPr lang="en-US" sz="1800" b="0" i="0" u="none" strike="noStrike" cap="none">
-                <a:solidFill>
-                  <a:srgbClr val="666666"/>
-                </a:solidFill>
-                <a:latin typeface="Arimo"/>
-                <a:ea typeface="Arimo"/>
-                <a:cs typeface="Arimo"/>
-                <a:sym typeface="Arimo"/>
-              </a:rPr>
-            </a:br>
-            <a:r>
-              <a:rPr lang="en-US" sz="1800" b="0" i="0" u="none" strike="noStrike" cap="none">
-                <a:latin typeface="Arimo"/>
-                <a:ea typeface="Arimo"/>
-                <a:cs typeface="Arimo"/>
-                <a:sym typeface="Arimo"/>
-              </a:rPr>
-              <a:t>Music.play()</a:t>
-            </a:r>
-            <a:br>
-              <a:rPr lang="en-US" sz="1800" b="0" i="0" u="none" strike="noStrike" cap="none">
-                <a:latin typeface="Arimo"/>
-                <a:ea typeface="Arimo"/>
-                <a:cs typeface="Arimo"/>
-                <a:sym typeface="Arimo"/>
-              </a:rPr>
-            </a:br>
-            <a:r>
-              <a:rPr lang="en-US" sz="1800" b="0" i="0" u="none" strike="noStrike" cap="none">
-                <a:latin typeface="Arimo"/>
-                <a:ea typeface="Arimo"/>
-                <a:cs typeface="Arimo"/>
-                <a:sym typeface="Arimo"/>
-              </a:rPr>
-              <a:t>Music.stop()</a:t>
-            </a:r>
-            <a:r>
-              <a:rPr lang="en-US" sz="1050" b="0" i="0" u="none" strike="noStrike" cap="none"/>
+              <a:rPr lang="en-US" sz="1050" b="0" i="0" u="none" strike="noStrike" cap="none" dirty="0"/>
               <a:t> </a:t>
             </a:r>
-            <a:endParaRPr sz="2800" b="0" i="0" u="none" strike="noStrike" cap="none">
+            <a:endParaRPr sz="2800" b="0" i="0" u="none" strike="noStrike" cap="none" dirty="0">
               <a:latin typeface="Arial"/>
               <a:ea typeface="Arial"/>
               <a:cs typeface="Arial"/>
@@ -14449,7 +14494,7 @@
               <a:buSzPts val="1440"/>
               <a:buNone/>
             </a:pPr>
-            <a:endParaRPr/>
+            <a:endParaRPr dirty="0"/>
           </a:p>
         </p:txBody>
       </p:sp>
@@ -19063,10 +19108,16 @@
         <p:nvGraphicFramePr>
           <p:cNvPr id="145" name="Google Shape;145;p10"/>
           <p:cNvGraphicFramePr/>
-          <p:nvPr/>
+          <p:nvPr>
+            <p:extLst>
+              <p:ext uri="{D42A27DB-BD31-4B8C-83A1-F6EECF244321}">
+                <p14:modId xmlns:p14="http://schemas.microsoft.com/office/powerpoint/2010/main" val="2820123967"/>
+              </p:ext>
+            </p:extLst>
+          </p:nvPr>
         </p:nvGraphicFramePr>
         <p:xfrm>
-          <a:off x="1144480" y="2724726"/>
+          <a:off x="1144480" y="2734454"/>
           <a:ext cx="8712750" cy="1678400"/>
         </p:xfrm>
         <a:graphic>
@@ -19214,10 +19265,10 @@
                         <a:buNone/>
                       </a:pPr>
                       <a:r>
-                        <a:rPr lang="en-US" sz="1800"/>
+                        <a:rPr lang="en-US" sz="1800" dirty="0"/>
                         <a:t>CANT access class state</a:t>
                       </a:r>
-                      <a:endParaRPr/>
+                      <a:endParaRPr dirty="0"/>
                     </a:p>
                   </a:txBody>
                   <a:tcPr marL="91450" marR="91450" marT="45725" marB="45725"/>
@@ -19237,10 +19288,10 @@
                         <a:buNone/>
                       </a:pPr>
                       <a:r>
-                        <a:rPr lang="en-US" sz="1800"/>
-                        <a:t>CANT modify class state</a:t>
+                        <a:rPr lang="en-US" sz="1800" dirty="0"/>
+                        <a:t>CAN modify class state</a:t>
                       </a:r>
-                      <a:endParaRPr/>
+                      <a:endParaRPr dirty="0"/>
                     </a:p>
                   </a:txBody>
                   <a:tcPr marL="91450" marR="91450" marT="45725" marB="45725"/>
@@ -19388,7 +19439,7 @@
                         </a:spcAft>
                         <a:buNone/>
                       </a:pPr>
-                      <a:endParaRPr sz="1800"/>
+                      <a:endParaRPr sz="1800" dirty="0"/>
                     </a:p>
                   </a:txBody>
                   <a:tcPr marL="91450" marR="91450" marT="45725" marB="45725"/>
